--- a/presentation/Soutenance.pptx
+++ b/presentation/Soutenance.pptx
@@ -219,7 +219,7 @@
           <a:p>
             <a:fld id="{7A56724F-4DC6-4752-89CA-94A66C3EBEFF}" type="datetimeFigureOut">
               <a:rPr lang="en-GB" smtClean="0"/>
-              <a:t>19/06/2018</a:t>
+              <a:t>20/06/2018</a:t>
             </a:fld>
             <a:endParaRPr lang="en-GB" dirty="0"/>
           </a:p>
@@ -341,8 +341,8 @@
         </p:blipFill>
         <p:spPr>
           <a:xfrm>
-            <a:off x="10976" y="0"/>
-            <a:ext cx="9122047" cy="6858000"/>
+            <a:off x="-36512" y="-35702"/>
+            <a:ext cx="9169535" cy="6893702"/>
           </a:xfrm>
           <a:prstGeom prst="rect">
             <a:avLst/>
@@ -351,60 +351,7 @@
       </p:pic>
       <p:sp>
         <p:nvSpPr>
-          <p:cNvPr id="2" name="Titel 1"/>
-          <p:cNvSpPr>
-            <a:spLocks noGrp="1"/>
-          </p:cNvSpPr>
-          <p:nvPr>
-            <p:ph type="ctrTitle"/>
-          </p:nvPr>
-        </p:nvSpPr>
-        <p:spPr>
-          <a:xfrm>
-            <a:off x="1547664" y="2564904"/>
-            <a:ext cx="7704856" cy="1082551"/>
-          </a:xfrm>
-        </p:spPr>
-        <p:txBody>
-          <a:bodyPr>
-            <a:normAutofit/>
-          </a:bodyPr>
-          <a:lstStyle>
-            <a:lvl1pPr>
-              <a:defRPr sz="3200"/>
-            </a:lvl1pPr>
-          </a:lstStyle>
-          <a:p>
-            <a:r>
-              <a:rPr lang="de-DE" dirty="0" smtClean="0"/>
-              <a:t>Titelmasterformat durch Klicken bearbeiten</a:t>
-            </a:r>
-            <a:endParaRPr lang="en-GB" dirty="0"/>
-          </a:p>
-        </p:txBody>
-      </p:sp>
-      <p:sp>
-        <p:nvSpPr>
-          <p:cNvPr id="5" name="Fußzeilenplatzhalter 4"/>
-          <p:cNvSpPr>
-            <a:spLocks noGrp="1"/>
-          </p:cNvSpPr>
-          <p:nvPr>
-            <p:ph type="ftr" sz="quarter" idx="11"/>
-          </p:nvPr>
-        </p:nvSpPr>
-        <p:spPr/>
-        <p:txBody>
-          <a:bodyPr/>
-          <a:lstStyle/>
-          <a:p>
-            <a:endParaRPr lang="en-GB" dirty="0"/>
-          </a:p>
-        </p:txBody>
-      </p:sp>
-      <p:sp>
-        <p:nvSpPr>
-          <p:cNvPr id="4" name="Datumsplatzhalter 3"/>
+          <p:cNvPr id="3" name="Datumsplatzhalter 2"/>
           <p:cNvSpPr>
             <a:spLocks noGrp="1"/>
           </p:cNvSpPr>
@@ -412,22 +359,30 @@
             <p:ph type="dt" sz="half" idx="10"/>
           </p:nvPr>
         </p:nvSpPr>
-        <p:spPr/>
+        <p:spPr>
+          <a:xfrm>
+            <a:off x="457200" y="6356350"/>
+            <a:ext cx="2133600" cy="365125"/>
+          </a:xfrm>
+          <a:prstGeom prst="rect">
+            <a:avLst/>
+          </a:prstGeom>
+        </p:spPr>
         <p:txBody>
           <a:bodyPr/>
           <a:lstStyle/>
           <a:p>
-            <a:fld id="{EE2E961C-17CE-4E1C-8FEE-FBC93CDB68C8}" type="datetimeFigureOut">
+            <a:r>
               <a:rPr lang="en-GB" smtClean="0"/>
-              <a:t>19/06/2018</a:t>
-            </a:fld>
+              <a:t>28/06/2018</a:t>
+            </a:r>
             <a:endParaRPr lang="en-GB" dirty="0"/>
           </a:p>
         </p:txBody>
       </p:sp>
       <p:sp>
         <p:nvSpPr>
-          <p:cNvPr id="6" name="Foliennummernplatzhalter 5"/>
+          <p:cNvPr id="9" name="Foliennummernplatzhalter 8"/>
           <p:cNvSpPr>
             <a:spLocks noGrp="1"/>
           </p:cNvSpPr>
@@ -435,18 +390,59 @@
             <p:ph type="sldNum" sz="quarter" idx="12"/>
           </p:nvPr>
         </p:nvSpPr>
-        <p:spPr/>
+        <p:spPr>
+          <a:xfrm>
+            <a:off x="6553200" y="6356350"/>
+            <a:ext cx="2133600" cy="365125"/>
+          </a:xfrm>
+          <a:prstGeom prst="rect">
+            <a:avLst/>
+          </a:prstGeom>
+        </p:spPr>
         <p:txBody>
           <a:bodyPr/>
           <a:lstStyle/>
           <a:p>
-            <a:fld id="{6203A1B5-91FC-4A50-9298-88E151DEB772}" type="slidenum">
+            <a:fld id="{213C2B24-8D45-4FDE-914D-7C8049C246E6}" type="slidenum">
               <a:rPr lang="en-GB" smtClean="0"/>
               <a:t>‹Nr.›</a:t>
             </a:fld>
-            <a:r>
-              <a:rPr lang="en-GB" dirty="0" smtClean="0"/>
-              <a:t>  </a:t>
+            <a:endParaRPr lang="en-GB" dirty="0"/>
+          </a:p>
+        </p:txBody>
+      </p:sp>
+      <p:sp>
+        <p:nvSpPr>
+          <p:cNvPr id="11" name="Textplatzhalter 10"/>
+          <p:cNvSpPr>
+            <a:spLocks noGrp="1"/>
+          </p:cNvSpPr>
+          <p:nvPr>
+            <p:ph type="body" sz="quarter" idx="13"/>
+          </p:nvPr>
+        </p:nvSpPr>
+        <p:spPr>
+          <a:xfrm>
+            <a:off x="1763713" y="2708275"/>
+            <a:ext cx="5545137" cy="576263"/>
+          </a:xfrm>
+          <a:prstGeom prst="rect">
+            <a:avLst/>
+          </a:prstGeom>
+        </p:spPr>
+        <p:txBody>
+          <a:bodyPr/>
+          <a:lstStyle>
+            <a:lvl1pPr marL="0" indent="0">
+              <a:buNone/>
+              <a:defRPr/>
+            </a:lvl1pPr>
+          </a:lstStyle>
+          <a:p>
+            <a:pPr lvl="0"/>
+            <a:r>
+              <a:rPr lang="de-DE" dirty="0" smtClean="0"/>
+              <a:t>Textmasterformat bearbeiten</a:t>
             </a:r>
             <a:endParaRPr lang="en-GB" dirty="0"/>
           </a:p>
@@ -462,6 +458,13 @@
   <p:clrMapOvr>
     <a:masterClrMapping/>
   </p:clrMapOvr>
+  <p:timing>
+    <p:tnLst>
+      <p:par>
+        <p:cTn id="1" dur="indefinite" restart="never" nodeType="tmRoot"/>
+      </p:par>
+    </p:tnLst>
+  </p:timing>
 </p:sldLayout>
 </file>
 
@@ -482,36 +485,6 @@
           <a:chExt cx="0" cy="0"/>
         </a:xfrm>
       </p:grpSpPr>
-      <p:pic>
-        <p:nvPicPr>
-          <p:cNvPr id="7" name="Grafik 6"/>
-          <p:cNvPicPr>
-            <a:picLocks noChangeAspect="1"/>
-          </p:cNvPicPr>
-          <p:nvPr userDrawn="1"/>
-        </p:nvPicPr>
-        <p:blipFill>
-          <a:blip r:embed="rId2">
-            <a:extLst>
-              <a:ext uri="{28A0092B-C50C-407E-A947-70E740481C1C}">
-                <a14:useLocalDpi xmlns:a14="http://schemas.microsoft.com/office/drawing/2010/main" val="0"/>
-              </a:ext>
-            </a:extLst>
-          </a:blip>
-          <a:stretch>
-            <a:fillRect/>
-          </a:stretch>
-        </p:blipFill>
-        <p:spPr>
-          <a:xfrm>
-            <a:off x="-36512" y="-58920"/>
-            <a:ext cx="9217024" cy="6916920"/>
-          </a:xfrm>
-          <a:prstGeom prst="rect">
-            <a:avLst/>
-          </a:prstGeom>
-        </p:spPr>
-      </p:pic>
       <p:sp>
         <p:nvSpPr>
           <p:cNvPr id="2" name="Titel 1"/>
@@ -527,6 +500,9 @@
             <a:off x="2744" y="0"/>
             <a:ext cx="5688632" cy="638944"/>
           </a:xfrm>
+          <a:prstGeom prst="rect">
+            <a:avLst/>
+          </a:prstGeom>
         </p:spPr>
         <p:txBody>
           <a:bodyPr>
@@ -552,7 +528,68 @@
       </p:sp>
       <p:sp>
         <p:nvSpPr>
-          <p:cNvPr id="4" name="Datumsplatzhalter 3"/>
+          <p:cNvPr id="19" name="Rectangle 8"/>
+          <p:cNvSpPr>
+            <a:spLocks noChangeArrowheads="1"/>
+          </p:cNvSpPr>
+          <p:nvPr userDrawn="1"/>
+        </p:nvSpPr>
+        <p:spPr bwMode="auto">
+          <a:xfrm>
+            <a:off x="8639944" y="6603624"/>
+            <a:ext cx="504056" cy="251351"/>
+          </a:xfrm>
+          <a:prstGeom prst="rect">
+            <a:avLst/>
+          </a:prstGeom>
+          <a:noFill/>
+          <a:ln w="12700">
+            <a:noFill/>
+            <a:miter lim="800000"/>
+            <a:headEnd/>
+            <a:tailEnd/>
+          </a:ln>
+          <a:effectLst/>
+        </p:spPr>
+        <p:txBody>
+          <a:bodyPr wrap="square" lIns="90488" tIns="44450" rIns="90488" bIns="44450">
+            <a:spAutoFit/>
+          </a:bodyPr>
+          <a:lstStyle/>
+          <a:p>
+            <a:pPr defTabSz="762000" eaLnBrk="0" hangingPunct="0">
+              <a:defRPr/>
+            </a:pPr>
+            <a:fld id="{93152494-A80A-45CA-9E9E-9D412CD159DE}" type="slidenum">
+              <a:rPr lang="en-US" sz="1050" smtClean="0">
+                <a:solidFill>
+                  <a:schemeClr val="tx2">
+                    <a:lumMod val="50000"/>
+                  </a:schemeClr>
+                </a:solidFill>
+                <a:effectLst/>
+                <a:latin typeface="+mj-lt"/>
+              </a:rPr>
+              <a:pPr defTabSz="762000" eaLnBrk="0" hangingPunct="0">
+                <a:defRPr/>
+              </a:pPr>
+              <a:t>‹Nr.›</a:t>
+            </a:fld>
+            <a:endParaRPr lang="en-US" sz="1050" dirty="0">
+              <a:solidFill>
+                <a:schemeClr val="tx2">
+                  <a:lumMod val="50000"/>
+                </a:schemeClr>
+              </a:solidFill>
+              <a:effectLst/>
+              <a:latin typeface="+mj-lt"/>
+            </a:endParaRPr>
+          </a:p>
+        </p:txBody>
+      </p:sp>
+      <p:sp>
+        <p:nvSpPr>
+          <p:cNvPr id="20" name="Datumsplatzhalter 19"/>
           <p:cNvSpPr>
             <a:spLocks noGrp="1"/>
           </p:cNvSpPr>
@@ -565,86 +602,15 @@
           <a:bodyPr/>
           <a:lstStyle/>
           <a:p>
-            <a:fld id="{EE2E961C-17CE-4E1C-8FEE-FBC93CDB68C8}" type="datetimeFigureOut">
+            <a:fld id="{4037810F-9E72-4A49-B2D7-DE35064A2713}" type="datetimeFigureOut">
               <a:rPr lang="en-GB" smtClean="0"/>
-              <a:t>19/06/2018</a:t>
+              <a:pPr/>
+              <a:t>20/06/2018</a:t>
             </a:fld>
             <a:endParaRPr lang="en-GB" dirty="0"/>
           </a:p>
         </p:txBody>
       </p:sp>
-      <p:sp>
-        <p:nvSpPr>
-          <p:cNvPr id="5" name="Fußzeilenplatzhalter 4"/>
-          <p:cNvSpPr>
-            <a:spLocks noGrp="1"/>
-          </p:cNvSpPr>
-          <p:nvPr>
-            <p:ph type="ftr" sz="quarter" idx="11"/>
-          </p:nvPr>
-        </p:nvSpPr>
-        <p:spPr/>
-        <p:txBody>
-          <a:bodyPr/>
-          <a:lstStyle/>
-          <a:p>
-            <a:endParaRPr lang="en-GB" dirty="0"/>
-          </a:p>
-        </p:txBody>
-      </p:sp>
-      <p:sp>
-        <p:nvSpPr>
-          <p:cNvPr id="6" name="Foliennummernplatzhalter 5"/>
-          <p:cNvSpPr>
-            <a:spLocks noGrp="1"/>
-          </p:cNvSpPr>
-          <p:nvPr>
-            <p:ph type="sldNum" sz="quarter" idx="12"/>
-          </p:nvPr>
-        </p:nvSpPr>
-        <p:spPr/>
-        <p:txBody>
-          <a:bodyPr/>
-          <a:lstStyle/>
-          <a:p>
-            <a:fld id="{67858D0B-D568-4B66-980C-5404FF5FC306}" type="slidenum">
-              <a:rPr lang="en-GB" smtClean="0"/>
-              <a:t>‹Nr.›</a:t>
-            </a:fld>
-            <a:endParaRPr lang="en-GB" dirty="0"/>
-          </a:p>
-        </p:txBody>
-      </p:sp>
-      <p:pic>
-        <p:nvPicPr>
-          <p:cNvPr id="8" name="Grafik 7"/>
-          <p:cNvPicPr>
-            <a:picLocks noChangeAspect="1"/>
-          </p:cNvPicPr>
-          <p:nvPr userDrawn="1"/>
-        </p:nvPicPr>
-        <p:blipFill>
-          <a:blip r:embed="rId3" cstate="print">
-            <a:extLst>
-              <a:ext uri="{28A0092B-C50C-407E-A947-70E740481C1C}">
-                <a14:useLocalDpi xmlns:a14="http://schemas.microsoft.com/office/drawing/2010/main" val="0"/>
-              </a:ext>
-            </a:extLst>
-          </a:blip>
-          <a:stretch>
-            <a:fillRect/>
-          </a:stretch>
-        </p:blipFill>
-        <p:spPr>
-          <a:xfrm>
-            <a:off x="8578845" y="0"/>
-            <a:ext cx="539552" cy="580163"/>
-          </a:xfrm>
-          <a:prstGeom prst="rect">
-            <a:avLst/>
-          </a:prstGeom>
-        </p:spPr>
-      </p:pic>
     </p:spTree>
     <p:extLst>
       <p:ext uri="{BB962C8B-B14F-4D97-AF65-F5344CB8AC3E}">
@@ -697,6 +663,9 @@
             <a:off x="722313" y="4406900"/>
             <a:ext cx="7772400" cy="1362075"/>
           </a:xfrm>
+          <a:prstGeom prst="rect">
+            <a:avLst/>
+          </a:prstGeom>
         </p:spPr>
         <p:txBody>
           <a:bodyPr anchor="t"/>
@@ -729,6 +698,9 @@
             <a:off x="722313" y="2906713"/>
             <a:ext cx="7772400" cy="1500187"/>
           </a:xfrm>
+          <a:prstGeom prst="rect">
+            <a:avLst/>
+          </a:prstGeom>
         </p:spPr>
         <p:txBody>
           <a:bodyPr anchor="b"/>
@@ -843,14 +815,22 @@
             <p:ph type="dt" sz="half" idx="10"/>
           </p:nvPr>
         </p:nvSpPr>
-        <p:spPr/>
+        <p:spPr>
+          <a:xfrm>
+            <a:off x="457200" y="6356350"/>
+            <a:ext cx="2133600" cy="365125"/>
+          </a:xfrm>
+          <a:prstGeom prst="rect">
+            <a:avLst/>
+          </a:prstGeom>
+        </p:spPr>
         <p:txBody>
           <a:bodyPr/>
           <a:lstStyle/>
           <a:p>
             <a:fld id="{EE2E961C-17CE-4E1C-8FEE-FBC93CDB68C8}" type="datetimeFigureOut">
               <a:rPr lang="en-GB" smtClean="0"/>
-              <a:t>19/06/2018</a:t>
+              <a:t>20/06/2018</a:t>
             </a:fld>
             <a:endParaRPr lang="en-GB" dirty="0"/>
           </a:p>
@@ -866,7 +846,15 @@
             <p:ph type="ftr" sz="quarter" idx="11"/>
           </p:nvPr>
         </p:nvSpPr>
-        <p:spPr/>
+        <p:spPr>
+          <a:xfrm>
+            <a:off x="3124200" y="6356350"/>
+            <a:ext cx="2895600" cy="365125"/>
+          </a:xfrm>
+          <a:prstGeom prst="rect">
+            <a:avLst/>
+          </a:prstGeom>
+        </p:spPr>
         <p:txBody>
           <a:bodyPr/>
           <a:lstStyle/>
@@ -885,13 +873,26 @@
             <p:ph type="sldNum" sz="quarter" idx="12"/>
           </p:nvPr>
         </p:nvSpPr>
-        <p:spPr/>
+        <p:spPr>
+          <a:xfrm>
+            <a:off x="6553200" y="6356350"/>
+            <a:ext cx="2133600" cy="365125"/>
+          </a:xfrm>
+          <a:prstGeom prst="rect">
+            <a:avLst/>
+          </a:prstGeom>
+        </p:spPr>
         <p:txBody>
           <a:bodyPr/>
           <a:lstStyle/>
           <a:p>
+            <a:r>
+              <a:rPr lang="en-GB" dirty="0" smtClean="0"/>
+              <a:t>12fb</a:t>
+            </a:r>
             <a:fld id="{67858D0B-D568-4B66-980C-5404FF5FC306}" type="slidenum">
               <a:rPr lang="en-GB" smtClean="0"/>
+              <a:pPr/>
               <a:t>‹Nr.›</a:t>
             </a:fld>
             <a:endParaRPr lang="en-GB" dirty="0"/>
@@ -908,6 +909,13 @@
   <p:clrMapOvr>
     <a:masterClrMapping/>
   </p:clrMapOvr>
+  <p:timing>
+    <p:tnLst>
+      <p:par>
+        <p:cTn id="1" dur="indefinite" restart="never" nodeType="tmRoot"/>
+      </p:par>
+    </p:tnLst>
+  </p:timing>
 </p:sldLayout>
 </file>
 
@@ -938,7 +946,15 @@
             <p:ph type="title"/>
           </p:nvPr>
         </p:nvSpPr>
-        <p:spPr/>
+        <p:spPr>
+          <a:xfrm>
+            <a:off x="457200" y="274638"/>
+            <a:ext cx="8229600" cy="1143000"/>
+          </a:xfrm>
+          <a:prstGeom prst="rect">
+            <a:avLst/>
+          </a:prstGeom>
+        </p:spPr>
         <p:txBody>
           <a:bodyPr/>
           <a:lstStyle/>
@@ -966,6 +982,9 @@
             <a:off x="457200" y="1600200"/>
             <a:ext cx="4038600" cy="4525963"/>
           </a:xfrm>
+          <a:prstGeom prst="rect">
+            <a:avLst/>
+          </a:prstGeom>
         </p:spPr>
         <p:txBody>
           <a:bodyPr/>
@@ -1051,6 +1070,9 @@
             <a:off x="4648200" y="1600200"/>
             <a:ext cx="4038600" cy="4525963"/>
           </a:xfrm>
+          <a:prstGeom prst="rect">
+            <a:avLst/>
+          </a:prstGeom>
         </p:spPr>
         <p:txBody>
           <a:bodyPr/>
@@ -1131,14 +1153,22 @@
             <p:ph type="dt" sz="half" idx="10"/>
           </p:nvPr>
         </p:nvSpPr>
-        <p:spPr/>
+        <p:spPr>
+          <a:xfrm>
+            <a:off x="457200" y="6356350"/>
+            <a:ext cx="2133600" cy="365125"/>
+          </a:xfrm>
+          <a:prstGeom prst="rect">
+            <a:avLst/>
+          </a:prstGeom>
+        </p:spPr>
         <p:txBody>
           <a:bodyPr/>
           <a:lstStyle/>
           <a:p>
             <a:fld id="{EE2E961C-17CE-4E1C-8FEE-FBC93CDB68C8}" type="datetimeFigureOut">
               <a:rPr lang="en-GB" smtClean="0"/>
-              <a:t>19/06/2018</a:t>
+              <a:t>20/06/2018</a:t>
             </a:fld>
             <a:endParaRPr lang="en-GB" dirty="0"/>
           </a:p>
@@ -1154,7 +1184,15 @@
             <p:ph type="ftr" sz="quarter" idx="11"/>
           </p:nvPr>
         </p:nvSpPr>
-        <p:spPr/>
+        <p:spPr>
+          <a:xfrm>
+            <a:off x="3124200" y="6356350"/>
+            <a:ext cx="2895600" cy="365125"/>
+          </a:xfrm>
+          <a:prstGeom prst="rect">
+            <a:avLst/>
+          </a:prstGeom>
+        </p:spPr>
         <p:txBody>
           <a:bodyPr/>
           <a:lstStyle/>
@@ -1173,7 +1211,15 @@
             <p:ph type="sldNum" sz="quarter" idx="12"/>
           </p:nvPr>
         </p:nvSpPr>
-        <p:spPr/>
+        <p:spPr>
+          <a:xfrm>
+            <a:off x="6553200" y="6356350"/>
+            <a:ext cx="2133600" cy="365125"/>
+          </a:xfrm>
+          <a:prstGeom prst="rect">
+            <a:avLst/>
+          </a:prstGeom>
+        </p:spPr>
         <p:txBody>
           <a:bodyPr/>
           <a:lstStyle/>
@@ -1196,6 +1242,13 @@
   <p:clrMapOvr>
     <a:masterClrMapping/>
   </p:clrMapOvr>
+  <p:timing>
+    <p:tnLst>
+      <p:par>
+        <p:cTn id="1" dur="indefinite" restart="never" nodeType="tmRoot"/>
+      </p:par>
+    </p:tnLst>
+  </p:timing>
 </p:sldLayout>
 </file>
 
@@ -1226,14 +1279,22 @@
             <p:ph type="dt" sz="half" idx="10"/>
           </p:nvPr>
         </p:nvSpPr>
-        <p:spPr/>
+        <p:spPr>
+          <a:xfrm>
+            <a:off x="457200" y="6356350"/>
+            <a:ext cx="2133600" cy="365125"/>
+          </a:xfrm>
+          <a:prstGeom prst="rect">
+            <a:avLst/>
+          </a:prstGeom>
+        </p:spPr>
         <p:txBody>
           <a:bodyPr/>
           <a:lstStyle/>
           <a:p>
             <a:fld id="{EE2E961C-17CE-4E1C-8FEE-FBC93CDB68C8}" type="datetimeFigureOut">
               <a:rPr lang="en-GB" smtClean="0"/>
-              <a:t>19/06/2018</a:t>
+              <a:t>20/06/2018</a:t>
             </a:fld>
             <a:endParaRPr lang="en-GB" dirty="0"/>
           </a:p>
@@ -1249,7 +1310,15 @@
             <p:ph type="ftr" sz="quarter" idx="11"/>
           </p:nvPr>
         </p:nvSpPr>
-        <p:spPr/>
+        <p:spPr>
+          <a:xfrm>
+            <a:off x="3124200" y="6356350"/>
+            <a:ext cx="2895600" cy="365125"/>
+          </a:xfrm>
+          <a:prstGeom prst="rect">
+            <a:avLst/>
+          </a:prstGeom>
+        </p:spPr>
         <p:txBody>
           <a:bodyPr/>
           <a:lstStyle/>
@@ -1268,7 +1337,15 @@
             <p:ph type="sldNum" sz="quarter" idx="12"/>
           </p:nvPr>
         </p:nvSpPr>
-        <p:spPr/>
+        <p:spPr>
+          <a:xfrm>
+            <a:off x="6553200" y="6356350"/>
+            <a:ext cx="2133600" cy="365125"/>
+          </a:xfrm>
+          <a:prstGeom prst="rect">
+            <a:avLst/>
+          </a:prstGeom>
+        </p:spPr>
         <p:txBody>
           <a:bodyPr/>
           <a:lstStyle/>
@@ -1291,6 +1368,13 @@
   <p:clrMapOvr>
     <a:masterClrMapping/>
   </p:clrMapOvr>
+  <p:timing>
+    <p:tnLst>
+      <p:par>
+        <p:cTn id="1" dur="indefinite" restart="never" nodeType="tmRoot"/>
+      </p:par>
+    </p:tnLst>
+  </p:timing>
 </p:sldLayout>
 </file>
 
@@ -1326,6 +1410,9 @@
             <a:off x="457200" y="273050"/>
             <a:ext cx="3008313" cy="1162050"/>
           </a:xfrm>
+          <a:prstGeom prst="rect">
+            <a:avLst/>
+          </a:prstGeom>
         </p:spPr>
         <p:txBody>
           <a:bodyPr anchor="b"/>
@@ -1358,6 +1445,9 @@
             <a:off x="3575050" y="273050"/>
             <a:ext cx="5111750" cy="5853113"/>
           </a:xfrm>
+          <a:prstGeom prst="rect">
+            <a:avLst/>
+          </a:prstGeom>
         </p:spPr>
         <p:txBody>
           <a:bodyPr/>
@@ -1443,6 +1533,9 @@
             <a:off x="457200" y="1435100"/>
             <a:ext cx="3008313" cy="4691063"/>
           </a:xfrm>
+          <a:prstGeom prst="rect">
+            <a:avLst/>
+          </a:prstGeom>
         </p:spPr>
         <p:txBody>
           <a:bodyPr/>
@@ -1503,14 +1596,22 @@
             <p:ph type="dt" sz="half" idx="10"/>
           </p:nvPr>
         </p:nvSpPr>
-        <p:spPr/>
+        <p:spPr>
+          <a:xfrm>
+            <a:off x="457200" y="6356350"/>
+            <a:ext cx="2133600" cy="365125"/>
+          </a:xfrm>
+          <a:prstGeom prst="rect">
+            <a:avLst/>
+          </a:prstGeom>
+        </p:spPr>
         <p:txBody>
           <a:bodyPr/>
           <a:lstStyle/>
           <a:p>
             <a:fld id="{EE2E961C-17CE-4E1C-8FEE-FBC93CDB68C8}" type="datetimeFigureOut">
               <a:rPr lang="en-GB" smtClean="0"/>
-              <a:t>19/06/2018</a:t>
+              <a:t>20/06/2018</a:t>
             </a:fld>
             <a:endParaRPr lang="en-GB" dirty="0"/>
           </a:p>
@@ -1526,7 +1627,15 @@
             <p:ph type="ftr" sz="quarter" idx="11"/>
           </p:nvPr>
         </p:nvSpPr>
-        <p:spPr/>
+        <p:spPr>
+          <a:xfrm>
+            <a:off x="3124200" y="6356350"/>
+            <a:ext cx="2895600" cy="365125"/>
+          </a:xfrm>
+          <a:prstGeom prst="rect">
+            <a:avLst/>
+          </a:prstGeom>
+        </p:spPr>
         <p:txBody>
           <a:bodyPr/>
           <a:lstStyle/>
@@ -1545,7 +1654,15 @@
             <p:ph type="sldNum" sz="quarter" idx="12"/>
           </p:nvPr>
         </p:nvSpPr>
-        <p:spPr/>
+        <p:spPr>
+          <a:xfrm>
+            <a:off x="6553200" y="6356350"/>
+            <a:ext cx="2133600" cy="365125"/>
+          </a:xfrm>
+          <a:prstGeom prst="rect">
+            <a:avLst/>
+          </a:prstGeom>
+        </p:spPr>
         <p:txBody>
           <a:bodyPr/>
           <a:lstStyle/>
@@ -1568,6 +1685,13 @@
   <p:clrMapOvr>
     <a:masterClrMapping/>
   </p:clrMapOvr>
+  <p:timing>
+    <p:tnLst>
+      <p:par>
+        <p:cTn id="1" dur="indefinite" restart="never" nodeType="tmRoot"/>
+      </p:par>
+    </p:tnLst>
+  </p:timing>
 </p:sldLayout>
 </file>
 
@@ -1603,6 +1727,9 @@
             <a:off x="1792288" y="4800600"/>
             <a:ext cx="5486400" cy="566738"/>
           </a:xfrm>
+          <a:prstGeom prst="rect">
+            <a:avLst/>
+          </a:prstGeom>
         </p:spPr>
         <p:txBody>
           <a:bodyPr anchor="b"/>
@@ -1635,6 +1762,9 @@
             <a:off x="1792288" y="612775"/>
             <a:ext cx="5486400" cy="4114800"/>
           </a:xfrm>
+          <a:prstGeom prst="rect">
+            <a:avLst/>
+          </a:prstGeom>
         </p:spPr>
         <p:txBody>
           <a:bodyPr/>
@@ -1696,6 +1826,9 @@
             <a:off x="1792288" y="5367338"/>
             <a:ext cx="5486400" cy="804862"/>
           </a:xfrm>
+          <a:prstGeom prst="rect">
+            <a:avLst/>
+          </a:prstGeom>
         </p:spPr>
         <p:txBody>
           <a:bodyPr/>
@@ -1756,14 +1889,22 @@
             <p:ph type="dt" sz="half" idx="10"/>
           </p:nvPr>
         </p:nvSpPr>
-        <p:spPr/>
+        <p:spPr>
+          <a:xfrm>
+            <a:off x="457200" y="6356350"/>
+            <a:ext cx="2133600" cy="365125"/>
+          </a:xfrm>
+          <a:prstGeom prst="rect">
+            <a:avLst/>
+          </a:prstGeom>
+        </p:spPr>
         <p:txBody>
           <a:bodyPr/>
           <a:lstStyle/>
           <a:p>
             <a:fld id="{EE2E961C-17CE-4E1C-8FEE-FBC93CDB68C8}" type="datetimeFigureOut">
               <a:rPr lang="en-GB" smtClean="0"/>
-              <a:t>19/06/2018</a:t>
+              <a:t>20/06/2018</a:t>
             </a:fld>
             <a:endParaRPr lang="en-GB" dirty="0"/>
           </a:p>
@@ -1779,7 +1920,15 @@
             <p:ph type="ftr" sz="quarter" idx="11"/>
           </p:nvPr>
         </p:nvSpPr>
-        <p:spPr/>
+        <p:spPr>
+          <a:xfrm>
+            <a:off x="3124200" y="6356350"/>
+            <a:ext cx="2895600" cy="365125"/>
+          </a:xfrm>
+          <a:prstGeom prst="rect">
+            <a:avLst/>
+          </a:prstGeom>
+        </p:spPr>
         <p:txBody>
           <a:bodyPr/>
           <a:lstStyle/>
@@ -1798,7 +1947,15 @@
             <p:ph type="sldNum" sz="quarter" idx="12"/>
           </p:nvPr>
         </p:nvSpPr>
-        <p:spPr/>
+        <p:spPr>
+          <a:xfrm>
+            <a:off x="6553200" y="6356350"/>
+            <a:ext cx="2133600" cy="365125"/>
+          </a:xfrm>
+          <a:prstGeom prst="rect">
+            <a:avLst/>
+          </a:prstGeom>
+        </p:spPr>
         <p:txBody>
           <a:bodyPr/>
           <a:lstStyle/>
@@ -1821,6 +1978,13 @@
   <p:clrMapOvr>
     <a:masterClrMapping/>
   </p:clrMapOvr>
+  <p:timing>
+    <p:tnLst>
+      <p:par>
+        <p:cTn id="1" dur="indefinite" restart="never" nodeType="tmRoot"/>
+      </p:par>
+    </p:tnLst>
+  </p:timing>
 </p:sldLayout>
 </file>
 
@@ -1851,7 +2015,15 @@
             <p:ph type="title"/>
           </p:nvPr>
         </p:nvSpPr>
-        <p:spPr/>
+        <p:spPr>
+          <a:xfrm>
+            <a:off x="457200" y="274638"/>
+            <a:ext cx="8229600" cy="1143000"/>
+          </a:xfrm>
+          <a:prstGeom prst="rect">
+            <a:avLst/>
+          </a:prstGeom>
+        </p:spPr>
         <p:txBody>
           <a:bodyPr/>
           <a:lstStyle/>
@@ -1874,7 +2046,15 @@
             <p:ph type="body" orient="vert" idx="1"/>
           </p:nvPr>
         </p:nvSpPr>
-        <p:spPr/>
+        <p:spPr>
+          <a:xfrm>
+            <a:off x="457200" y="1600200"/>
+            <a:ext cx="8229600" cy="4525963"/>
+          </a:xfrm>
+          <a:prstGeom prst="rect">
+            <a:avLst/>
+          </a:prstGeom>
+        </p:spPr>
         <p:txBody>
           <a:bodyPr vert="eaVert"/>
           <a:lstStyle/>
@@ -1926,14 +2106,22 @@
             <p:ph type="dt" sz="half" idx="10"/>
           </p:nvPr>
         </p:nvSpPr>
-        <p:spPr/>
+        <p:spPr>
+          <a:xfrm>
+            <a:off x="457200" y="6356350"/>
+            <a:ext cx="2133600" cy="365125"/>
+          </a:xfrm>
+          <a:prstGeom prst="rect">
+            <a:avLst/>
+          </a:prstGeom>
+        </p:spPr>
         <p:txBody>
           <a:bodyPr/>
           <a:lstStyle/>
           <a:p>
             <a:fld id="{EE2E961C-17CE-4E1C-8FEE-FBC93CDB68C8}" type="datetimeFigureOut">
               <a:rPr lang="en-GB" smtClean="0"/>
-              <a:t>19/06/2018</a:t>
+              <a:t>20/06/2018</a:t>
             </a:fld>
             <a:endParaRPr lang="en-GB" dirty="0"/>
           </a:p>
@@ -1949,7 +2137,15 @@
             <p:ph type="ftr" sz="quarter" idx="11"/>
           </p:nvPr>
         </p:nvSpPr>
-        <p:spPr/>
+        <p:spPr>
+          <a:xfrm>
+            <a:off x="3124200" y="6356350"/>
+            <a:ext cx="2895600" cy="365125"/>
+          </a:xfrm>
+          <a:prstGeom prst="rect">
+            <a:avLst/>
+          </a:prstGeom>
+        </p:spPr>
         <p:txBody>
           <a:bodyPr/>
           <a:lstStyle/>
@@ -1968,7 +2164,15 @@
             <p:ph type="sldNum" sz="quarter" idx="12"/>
           </p:nvPr>
         </p:nvSpPr>
-        <p:spPr/>
+        <p:spPr>
+          <a:xfrm>
+            <a:off x="6553200" y="6356350"/>
+            <a:ext cx="2133600" cy="365125"/>
+          </a:xfrm>
+          <a:prstGeom prst="rect">
+            <a:avLst/>
+          </a:prstGeom>
+        </p:spPr>
         <p:txBody>
           <a:bodyPr/>
           <a:lstStyle/>
@@ -1991,6 +2195,13 @@
   <p:clrMapOvr>
     <a:masterClrMapping/>
   </p:clrMapOvr>
+  <p:timing>
+    <p:tnLst>
+      <p:par>
+        <p:cTn id="1" dur="indefinite" restart="never" nodeType="tmRoot"/>
+      </p:par>
+    </p:tnLst>
+  </p:timing>
 </p:sldLayout>
 </file>
 
@@ -2026,6 +2237,9 @@
             <a:off x="6629400" y="274638"/>
             <a:ext cx="2057400" cy="5851525"/>
           </a:xfrm>
+          <a:prstGeom prst="rect">
+            <a:avLst/>
+          </a:prstGeom>
         </p:spPr>
         <p:txBody>
           <a:bodyPr vert="eaVert"/>
@@ -2054,6 +2268,9 @@
             <a:off x="457200" y="274638"/>
             <a:ext cx="6019800" cy="5851525"/>
           </a:xfrm>
+          <a:prstGeom prst="rect">
+            <a:avLst/>
+          </a:prstGeom>
         </p:spPr>
         <p:txBody>
           <a:bodyPr vert="eaVert"/>
@@ -2106,14 +2323,22 @@
             <p:ph type="dt" sz="half" idx="10"/>
           </p:nvPr>
         </p:nvSpPr>
-        <p:spPr/>
+        <p:spPr>
+          <a:xfrm>
+            <a:off x="457200" y="6356350"/>
+            <a:ext cx="2133600" cy="365125"/>
+          </a:xfrm>
+          <a:prstGeom prst="rect">
+            <a:avLst/>
+          </a:prstGeom>
+        </p:spPr>
         <p:txBody>
           <a:bodyPr/>
           <a:lstStyle/>
           <a:p>
             <a:fld id="{EE2E961C-17CE-4E1C-8FEE-FBC93CDB68C8}" type="datetimeFigureOut">
               <a:rPr lang="en-GB" smtClean="0"/>
-              <a:t>19/06/2018</a:t>
+              <a:t>20/06/2018</a:t>
             </a:fld>
             <a:endParaRPr lang="en-GB" dirty="0"/>
           </a:p>
@@ -2129,7 +2354,15 @@
             <p:ph type="ftr" sz="quarter" idx="11"/>
           </p:nvPr>
         </p:nvSpPr>
-        <p:spPr/>
+        <p:spPr>
+          <a:xfrm>
+            <a:off x="3124200" y="6356350"/>
+            <a:ext cx="2895600" cy="365125"/>
+          </a:xfrm>
+          <a:prstGeom prst="rect">
+            <a:avLst/>
+          </a:prstGeom>
+        </p:spPr>
         <p:txBody>
           <a:bodyPr/>
           <a:lstStyle/>
@@ -2148,7 +2381,15 @@
             <p:ph type="sldNum" sz="quarter" idx="12"/>
           </p:nvPr>
         </p:nvSpPr>
-        <p:spPr/>
+        <p:spPr>
+          <a:xfrm>
+            <a:off x="6553200" y="6356350"/>
+            <a:ext cx="2133600" cy="365125"/>
+          </a:xfrm>
+          <a:prstGeom prst="rect">
+            <a:avLst/>
+          </a:prstGeom>
+        </p:spPr>
         <p:txBody>
           <a:bodyPr/>
           <a:lstStyle/>
@@ -2171,6 +2412,13 @@
   <p:clrMapOvr>
     <a:masterClrMapping/>
   </p:clrMapOvr>
+  <p:timing>
+    <p:tnLst>
+      <p:par>
+        <p:cTn id="1" dur="indefinite" restart="never" nodeType="tmRoot"/>
+      </p:par>
+    </p:tnLst>
+  </p:timing>
 </p:sldLayout>
 </file>
 
@@ -2196,9 +2444,123 @@
           <a:chExt cx="0" cy="0"/>
         </a:xfrm>
       </p:grpSpPr>
-      <p:sp>
-        <p:nvSpPr>
-          <p:cNvPr id="2" name="Titelplatzhalter 1"/>
+      <p:pic>
+        <p:nvPicPr>
+          <p:cNvPr id="10" name="Grafik 9"/>
+          <p:cNvPicPr>
+            <a:picLocks noChangeAspect="1"/>
+          </p:cNvPicPr>
+          <p:nvPr userDrawn="1"/>
+        </p:nvPicPr>
+        <p:blipFill>
+          <a:blip r:embed="rId11">
+            <a:extLst>
+              <a:ext uri="{28A0092B-C50C-407E-A947-70E740481C1C}">
+                <a14:useLocalDpi xmlns:a14="http://schemas.microsoft.com/office/drawing/2010/main" val="0"/>
+              </a:ext>
+            </a:extLst>
+          </a:blip>
+          <a:stretch>
+            <a:fillRect/>
+          </a:stretch>
+        </p:blipFill>
+        <p:spPr>
+          <a:xfrm>
+            <a:off x="-36512" y="-29460"/>
+            <a:ext cx="9177768" cy="6887460"/>
+          </a:xfrm>
+          <a:prstGeom prst="rect">
+            <a:avLst/>
+          </a:prstGeom>
+        </p:spPr>
+      </p:pic>
+      <p:sp>
+        <p:nvSpPr>
+          <p:cNvPr id="8" name="Datumsplatzhalter 7"/>
+          <p:cNvSpPr>
+            <a:spLocks noGrp="1"/>
+          </p:cNvSpPr>
+          <p:nvPr>
+            <p:ph type="dt" sz="half" idx="2"/>
+          </p:nvPr>
+        </p:nvSpPr>
+        <p:spPr>
+          <a:xfrm>
+            <a:off x="457200" y="6356350"/>
+            <a:ext cx="2133600" cy="365125"/>
+          </a:xfrm>
+          <a:prstGeom prst="rect">
+            <a:avLst/>
+          </a:prstGeom>
+        </p:spPr>
+        <p:txBody>
+          <a:bodyPr vert="horz" lIns="91440" tIns="45720" rIns="91440" bIns="45720" rtlCol="0" anchor="ctr"/>
+          <a:lstStyle>
+            <a:lvl1pPr algn="l">
+              <a:defRPr sz="1200">
+                <a:solidFill>
+                  <a:schemeClr val="tx2">
+                    <a:lumMod val="50000"/>
+                  </a:schemeClr>
+                </a:solidFill>
+              </a:defRPr>
+            </a:lvl1pPr>
+          </a:lstStyle>
+          <a:p>
+            <a:fld id="{4037810F-9E72-4A49-B2D7-DE35064A2713}" type="datetimeFigureOut">
+              <a:rPr lang="en-GB" smtClean="0"/>
+              <a:pPr/>
+              <a:t>20/06/2018</a:t>
+            </a:fld>
+            <a:endParaRPr lang="en-GB" dirty="0"/>
+          </a:p>
+        </p:txBody>
+      </p:sp>
+      <p:sp>
+        <p:nvSpPr>
+          <p:cNvPr id="9" name="Foliennummernplatzhalter 8"/>
+          <p:cNvSpPr>
+            <a:spLocks noGrp="1"/>
+          </p:cNvSpPr>
+          <p:nvPr>
+            <p:ph type="sldNum" sz="quarter" idx="4"/>
+          </p:nvPr>
+        </p:nvSpPr>
+        <p:spPr>
+          <a:xfrm>
+            <a:off x="6553200" y="6356350"/>
+            <a:ext cx="2133600" cy="365125"/>
+          </a:xfrm>
+          <a:prstGeom prst="rect">
+            <a:avLst/>
+          </a:prstGeom>
+        </p:spPr>
+        <p:txBody>
+          <a:bodyPr vert="horz" lIns="91440" tIns="45720" rIns="91440" bIns="45720" rtlCol="0" anchor="ctr"/>
+          <a:lstStyle>
+            <a:lvl1pPr algn="r">
+              <a:defRPr sz="1200">
+                <a:solidFill>
+                  <a:schemeClr val="tx2">
+                    <a:lumMod val="50000"/>
+                  </a:schemeClr>
+                </a:solidFill>
+              </a:defRPr>
+            </a:lvl1pPr>
+          </a:lstStyle>
+          <a:p>
+            <a:fld id="{6BDC1AEE-E131-4DF0-BEB3-F8604648F1CA}" type="slidenum">
+              <a:rPr lang="en-GB" smtClean="0"/>
+              <a:pPr/>
+              <a:t>‹Nr.›</a:t>
+            </a:fld>
+            <a:endParaRPr lang="en-GB" dirty="0"/>
+          </a:p>
+        </p:txBody>
+      </p:sp>
+      <p:sp>
+        <p:nvSpPr>
+          <p:cNvPr id="11" name="Titelplatzhalter 10"/>
           <p:cNvSpPr>
             <a:spLocks noGrp="1"/>
           </p:cNvSpPr>
@@ -2208,8 +2570,8 @@
         </p:nvSpPr>
         <p:spPr>
           <a:xfrm>
-            <a:off x="457200" y="274638"/>
-            <a:ext cx="8229600" cy="1143000"/>
+            <a:off x="0" y="44624"/>
+            <a:ext cx="6491064" cy="562074"/>
           </a:xfrm>
           <a:prstGeom prst="rect">
             <a:avLst/>
@@ -2222,194 +2584,43 @@
           <a:lstStyle/>
           <a:p>
             <a:r>
-              <a:rPr lang="de-DE" smtClean="0"/>
+              <a:rPr lang="de-DE" dirty="0" smtClean="0"/>
               <a:t>Titelmasterformat durch Klicken bearbeiten</a:t>
             </a:r>
-            <a:endParaRPr lang="en-GB"/>
-          </a:p>
-        </p:txBody>
-      </p:sp>
-      <p:sp>
-        <p:nvSpPr>
-          <p:cNvPr id="3" name="Textplatzhalter 2"/>
-          <p:cNvSpPr>
-            <a:spLocks noGrp="1"/>
-          </p:cNvSpPr>
-          <p:nvPr>
-            <p:ph type="body" idx="1"/>
-          </p:nvPr>
-        </p:nvSpPr>
-        <p:spPr>
-          <a:xfrm>
-            <a:off x="457200" y="1600200"/>
-            <a:ext cx="8229600" cy="4525963"/>
-          </a:xfrm>
-          <a:prstGeom prst="rect">
-            <a:avLst/>
-          </a:prstGeom>
-        </p:spPr>
-        <p:txBody>
-          <a:bodyPr vert="horz" lIns="91440" tIns="45720" rIns="91440" bIns="45720" rtlCol="0">
-            <a:normAutofit/>
-          </a:bodyPr>
-          <a:lstStyle/>
-          <a:p>
-            <a:pPr lvl="0"/>
-            <a:r>
-              <a:rPr lang="de-DE" smtClean="0"/>
-              <a:t>Textmasterformat bearbeiten</a:t>
-            </a:r>
-          </a:p>
-          <a:p>
-            <a:pPr lvl="1"/>
-            <a:r>
-              <a:rPr lang="de-DE" smtClean="0"/>
-              <a:t>Zweite Ebene</a:t>
-            </a:r>
-          </a:p>
-          <a:p>
-            <a:pPr lvl="2"/>
-            <a:r>
-              <a:rPr lang="de-DE" smtClean="0"/>
-              <a:t>Dritte Ebene</a:t>
-            </a:r>
-          </a:p>
-          <a:p>
-            <a:pPr lvl="3"/>
-            <a:r>
-              <a:rPr lang="de-DE" smtClean="0"/>
-              <a:t>Vierte Ebene</a:t>
-            </a:r>
-          </a:p>
-          <a:p>
-            <a:pPr lvl="4"/>
-            <a:r>
-              <a:rPr lang="de-DE" smtClean="0"/>
-              <a:t>Fünfte Ebene</a:t>
-            </a:r>
-            <a:endParaRPr lang="en-GB"/>
-          </a:p>
-        </p:txBody>
-      </p:sp>
-      <p:sp>
-        <p:nvSpPr>
-          <p:cNvPr id="4" name="Datumsplatzhalter 3"/>
-          <p:cNvSpPr>
-            <a:spLocks noGrp="1"/>
-          </p:cNvSpPr>
-          <p:nvPr>
-            <p:ph type="dt" sz="half" idx="2"/>
-          </p:nvPr>
-        </p:nvSpPr>
-        <p:spPr>
-          <a:xfrm>
-            <a:off x="457200" y="6356350"/>
-            <a:ext cx="2133600" cy="365125"/>
-          </a:xfrm>
-          <a:prstGeom prst="rect">
-            <a:avLst/>
-          </a:prstGeom>
-        </p:spPr>
-        <p:txBody>
-          <a:bodyPr vert="horz" lIns="91440" tIns="45720" rIns="91440" bIns="45720" rtlCol="0" anchor="ctr"/>
-          <a:lstStyle>
-            <a:lvl1pPr algn="l">
-              <a:defRPr sz="1200">
-                <a:solidFill>
-                  <a:schemeClr val="tx1">
-                    <a:tint val="75000"/>
-                  </a:schemeClr>
-                </a:solidFill>
-              </a:defRPr>
-            </a:lvl1pPr>
-          </a:lstStyle>
-          <a:p>
-            <a:r>
-              <a:rPr lang="en-GB" dirty="0" smtClean="0"/>
-              <a:t>28/06/2018</a:t>
-            </a:r>
             <a:endParaRPr lang="en-GB" dirty="0"/>
           </a:p>
         </p:txBody>
       </p:sp>
-      <p:sp>
-        <p:nvSpPr>
-          <p:cNvPr id="5" name="Fußzeilenplatzhalter 4"/>
-          <p:cNvSpPr>
-            <a:spLocks noGrp="1"/>
-          </p:cNvSpPr>
-          <p:nvPr>
-            <p:ph type="ftr" sz="quarter" idx="3"/>
-          </p:nvPr>
-        </p:nvSpPr>
-        <p:spPr>
-          <a:xfrm>
-            <a:off x="3124200" y="6356350"/>
-            <a:ext cx="2895600" cy="365125"/>
-          </a:xfrm>
-          <a:prstGeom prst="rect">
-            <a:avLst/>
-          </a:prstGeom>
-        </p:spPr>
-        <p:txBody>
-          <a:bodyPr vert="horz" lIns="91440" tIns="45720" rIns="91440" bIns="45720" rtlCol="0" anchor="ctr"/>
-          <a:lstStyle>
-            <a:lvl1pPr algn="ctr">
-              <a:defRPr sz="1200">
-                <a:solidFill>
-                  <a:schemeClr val="tx1">
-                    <a:tint val="75000"/>
-                  </a:schemeClr>
-                </a:solidFill>
-              </a:defRPr>
-            </a:lvl1pPr>
-          </a:lstStyle>
-          <a:p>
-            <a:endParaRPr lang="en-GB" dirty="0"/>
-          </a:p>
-        </p:txBody>
-      </p:sp>
-      <p:sp>
-        <p:nvSpPr>
-          <p:cNvPr id="6" name="Foliennummernplatzhalter 5"/>
-          <p:cNvSpPr>
-            <a:spLocks noGrp="1"/>
-          </p:cNvSpPr>
-          <p:nvPr>
-            <p:ph type="sldNum" sz="quarter" idx="4"/>
-          </p:nvPr>
-        </p:nvSpPr>
-        <p:spPr>
-          <a:xfrm>
-            <a:off x="6553200" y="6356350"/>
-            <a:ext cx="2133600" cy="365125"/>
-          </a:xfrm>
-          <a:prstGeom prst="rect">
-            <a:avLst/>
-          </a:prstGeom>
-        </p:spPr>
-        <p:txBody>
-          <a:bodyPr vert="horz" lIns="91440" tIns="45720" rIns="91440" bIns="45720" rtlCol="0" anchor="ctr"/>
-          <a:lstStyle>
-            <a:lvl1pPr algn="r">
-              <a:defRPr sz="1200">
-                <a:solidFill>
-                  <a:schemeClr val="tx1">
-                    <a:tint val="75000"/>
-                  </a:schemeClr>
-                </a:solidFill>
-              </a:defRPr>
-            </a:lvl1pPr>
-          </a:lstStyle>
-          <a:p>
-            <a:fld id="{67858D0B-D568-4B66-980C-5404FF5FC306}" type="slidenum">
-              <a:rPr lang="en-GB" smtClean="0"/>
-              <a:t>‹Nr.›</a:t>
-            </a:fld>
-            <a:endParaRPr lang="en-GB" dirty="0"/>
-          </a:p>
-        </p:txBody>
-      </p:sp>
+      <p:pic>
+        <p:nvPicPr>
+          <p:cNvPr id="12" name="Grafik 11"/>
+          <p:cNvPicPr>
+            <a:picLocks noChangeAspect="1"/>
+          </p:cNvPicPr>
+          <p:nvPr userDrawn="1"/>
+        </p:nvPicPr>
+        <p:blipFill>
+          <a:blip r:embed="rId12" cstate="print">
+            <a:extLst>
+              <a:ext uri="{28A0092B-C50C-407E-A947-70E740481C1C}">
+                <a14:useLocalDpi xmlns:a14="http://schemas.microsoft.com/office/drawing/2010/main" val="0"/>
+              </a:ext>
+            </a:extLst>
+          </a:blip>
+          <a:stretch>
+            <a:fillRect/>
+          </a:stretch>
+        </p:blipFill>
+        <p:spPr>
+          <a:xfrm>
+            <a:off x="8532439" y="44624"/>
+            <a:ext cx="486817" cy="523459"/>
+          </a:xfrm>
+          <a:prstGeom prst="rect">
+            <a:avLst/>
+          </a:prstGeom>
+        </p:spPr>
+      </p:pic>
     </p:spTree>
     <p:extLst>
       <p:ext uri="{BB962C8B-B14F-4D97-AF65-F5344CB8AC3E}">
@@ -2429,16 +2640,23 @@
     <p:sldLayoutId id="2147483658" r:id="rId8"/>
     <p:sldLayoutId id="2147483659" r:id="rId9"/>
   </p:sldLayoutIdLst>
+  <p:timing>
+    <p:tnLst>
+      <p:par>
+        <p:cTn id="1" dur="indefinite" restart="never" nodeType="tmRoot"/>
+      </p:par>
+    </p:tnLst>
+  </p:timing>
   <p:txStyles>
     <p:titleStyle>
-      <a:lvl1pPr algn="ctr" defTabSz="914400" rtl="0" eaLnBrk="1" latinLnBrk="0" hangingPunct="1">
+      <a:lvl1pPr algn="l" defTabSz="914400" rtl="0" eaLnBrk="1" latinLnBrk="0" hangingPunct="1">
         <a:spcBef>
           <a:spcPct val="0"/>
         </a:spcBef>
         <a:buNone/>
-        <a:defRPr sz="4400" kern="1200">
+        <a:defRPr sz="2800" kern="1200">
           <a:solidFill>
-            <a:schemeClr val="tx1"/>
+            <a:schemeClr val="bg1"/>
           </a:solidFill>
           <a:latin typeface="+mj-lt"/>
           <a:ea typeface="+mj-ea"/>
@@ -2805,45 +3023,8 @@
                   </a:schemeClr>
                 </a:solidFill>
               </a:rPr>
-              <a:t>Presented by </a:t>
-            </a:r>
-            <a:r>
-              <a:rPr lang="en-GB" dirty="0" smtClean="0">
-                <a:solidFill>
-                  <a:schemeClr val="bg1">
-                    <a:lumMod val="50000"/>
-                  </a:schemeClr>
-                </a:solidFill>
-              </a:rPr>
-              <a:t>Chloé</a:t>
-            </a:r>
-            <a:r>
-              <a:rPr lang="en-GB" dirty="0" smtClean="0">
-                <a:solidFill>
-                  <a:schemeClr val="bg1">
-                    <a:lumMod val="50000"/>
-                  </a:schemeClr>
-                </a:solidFill>
-              </a:rPr>
-              <a:t> </a:t>
-            </a:r>
-            <a:r>
-              <a:rPr lang="en-GB" dirty="0" smtClean="0">
-                <a:solidFill>
-                  <a:schemeClr val="bg1">
-                    <a:lumMod val="50000"/>
-                  </a:schemeClr>
-                </a:solidFill>
-              </a:rPr>
-              <a:t>Corno</a:t>
-            </a:r>
-            <a:endParaRPr lang="en-GB" dirty="0" smtClean="0">
-              <a:solidFill>
-                <a:schemeClr val="bg1">
-                  <a:lumMod val="50000"/>
-                </a:schemeClr>
-              </a:solidFill>
-            </a:endParaRPr>
+              <a:t>Presented by Chloé Corno</a:t>
+            </a:r>
           </a:p>
           <a:p>
             <a:endParaRPr lang="en-GB" dirty="0">
@@ -2997,7 +3178,7 @@
           <p:nvPr/>
         </p:nvPicPr>
         <p:blipFill>
-          <a:blip r:embed="rId2" cstate="print">
+          <a:blip r:embed="rId4" cstate="print">
             <a:extLst>
               <a:ext uri="{28A0092B-C50C-407E-A947-70E740481C1C}">
                 <a14:useLocalDpi xmlns:a14="http://schemas.microsoft.com/office/drawing/2010/main" val="0"/>
@@ -3086,6 +3267,130 @@
           </a:p>
         </p:txBody>
       </p:sp>
+      <p:sp>
+        <p:nvSpPr>
+          <p:cNvPr id="4" name="Textfeld 3"/>
+          <p:cNvSpPr txBox="1"/>
+          <p:nvPr/>
+        </p:nvSpPr>
+        <p:spPr>
+          <a:xfrm>
+            <a:off x="6732240" y="1628800"/>
+            <a:ext cx="2304256" cy="1384995"/>
+          </a:xfrm>
+          <a:prstGeom prst="rect">
+            <a:avLst/>
+          </a:prstGeom>
+          <a:noFill/>
+        </p:spPr>
+        <p:txBody>
+          <a:bodyPr wrap="square" rtlCol="0">
+            <a:spAutoFit/>
+          </a:bodyPr>
+          <a:lstStyle/>
+          <a:p>
+            <a:r>
+              <a:rPr lang="en-GB" sz="1400" dirty="0" smtClean="0">
+                <a:solidFill>
+                  <a:schemeClr val="tx2">
+                    <a:lumMod val="50000"/>
+                  </a:schemeClr>
+                </a:solidFill>
+              </a:rPr>
+              <a:t>The baffle vibration’s create cancellation effects.</a:t>
+            </a:r>
+          </a:p>
+          <a:p>
+            <a:endParaRPr lang="en-GB" sz="1400" dirty="0">
+              <a:solidFill>
+                <a:schemeClr val="tx2">
+                  <a:lumMod val="50000"/>
+                </a:schemeClr>
+              </a:solidFill>
+            </a:endParaRPr>
+          </a:p>
+          <a:p>
+            <a:r>
+              <a:rPr lang="en-GB" sz="1400" dirty="0" smtClean="0">
+                <a:solidFill>
+                  <a:schemeClr val="tx2">
+                    <a:lumMod val="50000"/>
+                  </a:schemeClr>
+                </a:solidFill>
+              </a:rPr>
+              <a:t>At the first resonance, there is  3 dB difference between the measurements.</a:t>
+            </a:r>
+          </a:p>
+        </p:txBody>
+      </p:sp>
+      <p:pic>
+        <p:nvPicPr>
+          <p:cNvPr id="11" name="baffle_vib2.wmv">
+            <a:hlinkClick r:id="" action="ppaction://media"/>
+          </p:cNvPr>
+          <p:cNvPicPr>
+            <a:picLocks noChangeAspect="1"/>
+          </p:cNvPicPr>
+          <p:nvPr>
+            <a:videoFile r:link="rId2"/>
+            <p:extLst>
+              <p:ext uri="{DAA4B4D4-6D71-4841-9C94-3DE7FCFB9230}">
+                <p14:media xmlns:p14="http://schemas.microsoft.com/office/powerpoint/2010/main" r:embed="rId1"/>
+              </p:ext>
+            </p:extLst>
+          </p:nvPr>
+        </p:nvPicPr>
+        <p:blipFill>
+          <a:blip r:embed="rId5"/>
+          <a:stretch>
+            <a:fillRect/>
+          </a:stretch>
+        </p:blipFill>
+        <p:spPr>
+          <a:xfrm>
+            <a:off x="6732240" y="3573016"/>
+            <a:ext cx="2297832" cy="1148916"/>
+          </a:xfrm>
+          <a:prstGeom prst="rect">
+            <a:avLst/>
+          </a:prstGeom>
+        </p:spPr>
+      </p:pic>
+      <p:sp>
+        <p:nvSpPr>
+          <p:cNvPr id="12" name="Textfeld 11"/>
+          <p:cNvSpPr txBox="1"/>
+          <p:nvPr/>
+        </p:nvSpPr>
+        <p:spPr>
+          <a:xfrm>
+            <a:off x="6839744" y="5229200"/>
+            <a:ext cx="2304256" cy="738664"/>
+          </a:xfrm>
+          <a:prstGeom prst="rect">
+            <a:avLst/>
+          </a:prstGeom>
+          <a:noFill/>
+        </p:spPr>
+        <p:txBody>
+          <a:bodyPr wrap="square" rtlCol="0">
+            <a:spAutoFit/>
+          </a:bodyPr>
+          <a:lstStyle/>
+          <a:p>
+            <a:r>
+              <a:rPr lang="en-GB" sz="1400" dirty="0" smtClean="0">
+                <a:solidFill>
+                  <a:schemeClr val="tx2">
+                    <a:lumMod val="50000"/>
+                  </a:schemeClr>
+                </a:solidFill>
+              </a:rPr>
+              <a:t>Scan evidences how the plate vibrates in anti-phase with the speaker.</a:t>
+            </a:r>
+          </a:p>
+        </p:txBody>
+      </p:sp>
     </p:spTree>
     <p:extLst>
       <p:ext uri="{BB962C8B-B14F-4D97-AF65-F5344CB8AC3E}">
@@ -3099,9 +3404,150 @@
   <p:timing>
     <p:tnLst>
       <p:par>
-        <p:cTn id="1" dur="indefinite" restart="never" nodeType="tmRoot"/>
+        <p:cTn id="1" dur="indefinite" restart="never" nodeType="tmRoot">
+          <p:childTnLst>
+            <p:seq concurrent="1" nextAc="seek">
+              <p:cTn id="2" dur="indefinite" nodeType="mainSeq">
+                <p:childTnLst>
+                  <p:par>
+                    <p:cTn id="3" fill="hold">
+                      <p:stCondLst>
+                        <p:cond delay="indefinite"/>
+                      </p:stCondLst>
+                      <p:childTnLst>
+                        <p:par>
+                          <p:cTn id="4" fill="hold">
+                            <p:stCondLst>
+                              <p:cond delay="0"/>
+                            </p:stCondLst>
+                            <p:childTnLst>
+                              <p:par>
+                                <p:cTn id="5" presetID="1" presetClass="entr" presetSubtype="0" fill="hold" grpId="0" nodeType="clickEffect">
+                                  <p:stCondLst>
+                                    <p:cond delay="0"/>
+                                  </p:stCondLst>
+                                  <p:childTnLst>
+                                    <p:set>
+                                      <p:cBhvr>
+                                        <p:cTn id="6" dur="1" fill="hold">
+                                          <p:stCondLst>
+                                            <p:cond delay="0"/>
+                                          </p:stCondLst>
+                                        </p:cTn>
+                                        <p:tgtEl>
+                                          <p:spTgt spid="12"/>
+                                        </p:tgtEl>
+                                        <p:attrNameLst>
+                                          <p:attrName>style.visibility</p:attrName>
+                                        </p:attrNameLst>
+                                      </p:cBhvr>
+                                      <p:to>
+                                        <p:strVal val="visible"/>
+                                      </p:to>
+                                    </p:set>
+                                  </p:childTnLst>
+                                </p:cTn>
+                              </p:par>
+                            </p:childTnLst>
+                          </p:cTn>
+                        </p:par>
+                      </p:childTnLst>
+                    </p:cTn>
+                  </p:par>
+                </p:childTnLst>
+              </p:cTn>
+              <p:prevCondLst>
+                <p:cond evt="onPrev" delay="0">
+                  <p:tgtEl>
+                    <p:sldTgt/>
+                  </p:tgtEl>
+                </p:cond>
+              </p:prevCondLst>
+              <p:nextCondLst>
+                <p:cond evt="onNext" delay="0">
+                  <p:tgtEl>
+                    <p:sldTgt/>
+                  </p:tgtEl>
+                </p:cond>
+              </p:nextCondLst>
+            </p:seq>
+            <p:seq concurrent="1" nextAc="seek">
+              <p:cTn id="7" restart="whenNotActive" fill="hold" evtFilter="cancelBubble" nodeType="interactiveSeq">
+                <p:stCondLst>
+                  <p:cond evt="onClick" delay="0">
+                    <p:tgtEl>
+                      <p:spTgt spid="11"/>
+                    </p:tgtEl>
+                  </p:cond>
+                </p:stCondLst>
+                <p:endSync evt="end" delay="0">
+                  <p:rtn val="all"/>
+                </p:endSync>
+                <p:childTnLst>
+                  <p:par>
+                    <p:cTn id="8" fill="hold">
+                      <p:stCondLst>
+                        <p:cond delay="0"/>
+                      </p:stCondLst>
+                      <p:childTnLst>
+                        <p:par>
+                          <p:cTn id="9" fill="hold">
+                            <p:stCondLst>
+                              <p:cond delay="0"/>
+                            </p:stCondLst>
+                            <p:childTnLst>
+                              <p:par>
+                                <p:cTn id="10" presetID="2" presetClass="mediacall" presetSubtype="0" fill="hold" nodeType="clickEffect">
+                                  <p:stCondLst>
+                                    <p:cond delay="0"/>
+                                  </p:stCondLst>
+                                  <p:childTnLst>
+                                    <p:cmd type="call" cmd="togglePause">
+                                      <p:cBhvr>
+                                        <p:cTn id="11" dur="1" fill="hold"/>
+                                        <p:tgtEl>
+                                          <p:spTgt spid="11"/>
+                                        </p:tgtEl>
+                                      </p:cBhvr>
+                                    </p:cmd>
+                                  </p:childTnLst>
+                                </p:cTn>
+                              </p:par>
+                            </p:childTnLst>
+                          </p:cTn>
+                        </p:par>
+                      </p:childTnLst>
+                    </p:cTn>
+                  </p:par>
+                </p:childTnLst>
+              </p:cTn>
+              <p:nextCondLst>
+                <p:cond evt="onClick" delay="0">
+                  <p:tgtEl>
+                    <p:spTgt spid="11"/>
+                  </p:tgtEl>
+                </p:cond>
+              </p:nextCondLst>
+            </p:seq>
+            <p:video>
+              <p:cMediaNode vol="80000">
+                <p:cTn id="12" repeatCount="indefinite" fill="hold" display="0">
+                  <p:stCondLst>
+                    <p:cond delay="indefinite"/>
+                  </p:stCondLst>
+                </p:cTn>
+                <p:tgtEl>
+                  <p:spTgt spid="11"/>
+                </p:tgtEl>
+              </p:cMediaNode>
+            </p:video>
+          </p:childTnLst>
+        </p:cTn>
       </p:par>
     </p:tnLst>
+    <p:bldLst>
+      <p:bldP spid="12" grpId="0"/>
+    </p:bldLst>
   </p:timing>
 </p:sld>
 </file>
@@ -3593,7 +4039,7 @@
             <a:spLocks noGrp="1"/>
           </p:cNvSpPr>
           <p:nvPr>
-            <p:ph type="ctrTitle"/>
+            <p:ph type="ctrTitle" idx="4294967295"/>
           </p:nvPr>
         </p:nvSpPr>
         <p:spPr>
@@ -3608,10 +4054,22 @@
           <a:p>
             <a:pPr algn="l"/>
             <a:r>
-              <a:rPr lang="en-GB" dirty="0" smtClean="0"/>
+              <a:rPr lang="en-GB" dirty="0" smtClean="0">
+                <a:solidFill>
+                  <a:schemeClr val="accent1">
+                    <a:lumMod val="50000"/>
+                  </a:schemeClr>
+                </a:solidFill>
+              </a:rPr>
               <a:t>Measurement time optimization</a:t>
             </a:r>
-            <a:endParaRPr lang="en-GB" dirty="0"/>
+            <a:endParaRPr lang="en-GB" dirty="0">
+              <a:solidFill>
+                <a:schemeClr val="accent1">
+                  <a:lumMod val="50000"/>
+                </a:schemeClr>
+              </a:solidFill>
+            </a:endParaRPr>
           </a:p>
         </p:txBody>
       </p:sp>
@@ -3676,6 +4134,66 @@
           </a:p>
         </p:txBody>
       </p:sp>
+      <p:pic>
+        <p:nvPicPr>
+          <p:cNvPr id="3" name="Grafik 2"/>
+          <p:cNvPicPr>
+            <a:picLocks noChangeAspect="1"/>
+          </p:cNvPicPr>
+          <p:nvPr/>
+        </p:nvPicPr>
+        <p:blipFill>
+          <a:blip r:embed="rId2">
+            <a:extLst>
+              <a:ext uri="{28A0092B-C50C-407E-A947-70E740481C1C}">
+                <a14:useLocalDpi xmlns:a14="http://schemas.microsoft.com/office/drawing/2010/main" val="0"/>
+              </a:ext>
+            </a:extLst>
+          </a:blip>
+          <a:stretch>
+            <a:fillRect/>
+          </a:stretch>
+        </p:blipFill>
+        <p:spPr>
+          <a:xfrm>
+            <a:off x="661137" y="908719"/>
+            <a:ext cx="7668344" cy="1220899"/>
+          </a:xfrm>
+          <a:prstGeom prst="rect">
+            <a:avLst/>
+          </a:prstGeom>
+        </p:spPr>
+      </p:pic>
+      <p:pic>
+        <p:nvPicPr>
+          <p:cNvPr id="4" name="Grafik 3"/>
+          <p:cNvPicPr>
+            <a:picLocks noChangeAspect="1"/>
+          </p:cNvPicPr>
+          <p:nvPr/>
+        </p:nvPicPr>
+        <p:blipFill>
+          <a:blip r:embed="rId3">
+            <a:extLst>
+              <a:ext uri="{28A0092B-C50C-407E-A947-70E740481C1C}">
+                <a14:useLocalDpi xmlns:a14="http://schemas.microsoft.com/office/drawing/2010/main" val="0"/>
+              </a:ext>
+            </a:extLst>
+          </a:blip>
+          <a:stretch>
+            <a:fillRect/>
+          </a:stretch>
+        </p:blipFill>
+        <p:spPr>
+          <a:xfrm>
+            <a:off x="236537" y="2889034"/>
+            <a:ext cx="6009252" cy="3287798"/>
+          </a:xfrm>
+          <a:prstGeom prst="rect">
+            <a:avLst/>
+          </a:prstGeom>
+        </p:spPr>
+      </p:pic>
     </p:spTree>
     <p:extLst>
       <p:ext uri="{BB962C8B-B14F-4D97-AF65-F5344CB8AC3E}">
@@ -4268,6 +4786,33 @@
                                   </p:childTnLst>
                                 </p:cTn>
                               </p:par>
+                              <p:par>
+                                <p:cTn id="15" presetID="1" presetClass="entr" presetSubtype="0" fill="hold" grpId="0" nodeType="withEffect">
+                                  <p:stCondLst>
+                                    <p:cond delay="0"/>
+                                  </p:stCondLst>
+                                  <p:childTnLst>
+                                    <p:set>
+                                      <p:cBhvr>
+                                        <p:cTn id="16" dur="1" fill="hold">
+                                          <p:stCondLst>
+                                            <p:cond delay="0"/>
+                                          </p:stCondLst>
+                                        </p:cTn>
+                                        <p:tgtEl>
+                                          <p:spTgt spid="16"/>
+                                        </p:tgtEl>
+                                        <p:attrNameLst>
+                                          <p:attrName>style.visibility</p:attrName>
+                                        </p:attrNameLst>
+                                      </p:cBhvr>
+                                      <p:to>
+                                        <p:strVal val="visible"/>
+                                      </p:to>
+                                    </p:set>
+                                  </p:childTnLst>
+                                </p:cTn>
+                              </p:par>
                             </p:childTnLst>
                           </p:cTn>
                         </p:par>
@@ -4297,6 +4842,7 @@
     </p:tnLst>
     <p:bldLst>
       <p:bldP spid="15" grpId="0"/>
+      <p:bldP spid="16" grpId="0"/>
     </p:bldLst>
   </p:timing>
 </p:sld>
@@ -4446,7 +4992,7 @@
             <a:spLocks noGrp="1"/>
           </p:cNvSpPr>
           <p:nvPr>
-            <p:ph type="ctrTitle"/>
+            <p:ph type="ctrTitle" idx="4294967295"/>
           </p:nvPr>
         </p:nvSpPr>
         <p:spPr>
@@ -4461,10 +5007,22 @@
           <a:p>
             <a:pPr algn="l"/>
             <a:r>
-              <a:rPr lang="en-GB" dirty="0" smtClean="0"/>
+              <a:rPr lang="en-GB" dirty="0" smtClean="0">
+                <a:solidFill>
+                  <a:schemeClr val="accent1">
+                    <a:lumMod val="50000"/>
+                  </a:schemeClr>
+                </a:solidFill>
+              </a:rPr>
               <a:t>Room compensation</a:t>
             </a:r>
-            <a:endParaRPr lang="en-GB" dirty="0"/>
+            <a:endParaRPr lang="en-GB" dirty="0">
+              <a:solidFill>
+                <a:schemeClr val="accent1">
+                  <a:lumMod val="50000"/>
+                </a:schemeClr>
+              </a:solidFill>
+            </a:endParaRPr>
           </a:p>
         </p:txBody>
       </p:sp>
@@ -4515,12 +5073,7 @@
             <p:ph type="title"/>
           </p:nvPr>
         </p:nvSpPr>
-        <p:spPr>
-          <a:xfrm>
-            <a:off x="179512" y="116632"/>
-            <a:ext cx="2409016" cy="522312"/>
-          </a:xfrm>
-        </p:spPr>
+        <p:spPr/>
         <p:txBody>
           <a:bodyPr/>
           <a:lstStyle/>
@@ -4811,6 +5364,13 @@
   <p:clrMapOvr>
     <a:masterClrMapping/>
   </p:clrMapOvr>
+  <p:timing>
+    <p:tnLst>
+      <p:par>
+        <p:cTn id="1" dur="indefinite" restart="never" nodeType="tmRoot"/>
+      </p:par>
+    </p:tnLst>
+  </p:timing>
 </p:sld>
 </file>
 
@@ -4865,6 +5425,13 @@
   <p:clrMapOvr>
     <a:masterClrMapping/>
   </p:clrMapOvr>
+  <p:timing>
+    <p:tnLst>
+      <p:par>
+        <p:cTn id="1" dur="indefinite" restart="never" nodeType="tmRoot"/>
+      </p:par>
+    </p:tnLst>
+  </p:timing>
 </p:sld>
 </file>
 
@@ -4919,6 +5486,13 @@
   <p:clrMapOvr>
     <a:masterClrMapping/>
   </p:clrMapOvr>
+  <p:timing>
+    <p:tnLst>
+      <p:par>
+        <p:cTn id="1" dur="indefinite" restart="never" nodeType="tmRoot"/>
+      </p:par>
+    </p:tnLst>
+  </p:timing>
 </p:sld>
 </file>
 
@@ -4973,6 +5547,13 @@
   <p:clrMapOvr>
     <a:masterClrMapping/>
   </p:clrMapOvr>
+  <p:timing>
+    <p:tnLst>
+      <p:par>
+        <p:cTn id="1" dur="indefinite" restart="never" nodeType="tmRoot"/>
+      </p:par>
+    </p:tnLst>
+  </p:timing>
 </p:sld>
 </file>
 
@@ -5027,6 +5608,13 @@
   <p:clrMapOvr>
     <a:masterClrMapping/>
   </p:clrMapOvr>
+  <p:timing>
+    <p:tnLst>
+      <p:par>
+        <p:cTn id="1" dur="indefinite" restart="never" nodeType="tmRoot"/>
+      </p:par>
+    </p:tnLst>
+  </p:timing>
 </p:sld>
 </file>
 
@@ -5081,6 +5669,13 @@
   <p:clrMapOvr>
     <a:masterClrMapping/>
   </p:clrMapOvr>
+  <p:timing>
+    <p:tnLst>
+      <p:par>
+        <p:cTn id="1" dur="indefinite" restart="never" nodeType="tmRoot"/>
+      </p:par>
+    </p:tnLst>
+  </p:timing>
 </p:sld>
 </file>
 
@@ -5108,7 +5703,7 @@
             <a:spLocks noGrp="1"/>
           </p:cNvSpPr>
           <p:nvPr>
-            <p:ph type="ctrTitle"/>
+            <p:ph type="ctrTitle" idx="4294967295"/>
           </p:nvPr>
         </p:nvSpPr>
         <p:spPr>
@@ -5123,10 +5718,22 @@
           <a:p>
             <a:pPr algn="l"/>
             <a:r>
-              <a:rPr lang="en-GB" dirty="0" smtClean="0"/>
+              <a:rPr lang="en-GB" dirty="0" smtClean="0">
+                <a:solidFill>
+                  <a:schemeClr val="accent1">
+                    <a:lumMod val="50000"/>
+                  </a:schemeClr>
+                </a:solidFill>
+              </a:rPr>
               <a:t>Conclusion</a:t>
             </a:r>
-            <a:endParaRPr lang="en-GB" dirty="0"/>
+            <a:endParaRPr lang="en-GB" dirty="0">
+              <a:solidFill>
+                <a:schemeClr val="accent1">
+                  <a:lumMod val="50000"/>
+                </a:schemeClr>
+              </a:solidFill>
+            </a:endParaRPr>
           </a:p>
         </p:txBody>
       </p:sp>
@@ -5235,13 +5842,13 @@
             <a:spLocks noGrp="1"/>
           </p:cNvSpPr>
           <p:nvPr>
-            <p:ph type="ctrTitle"/>
+            <p:ph type="ctrTitle" idx="4294967295"/>
           </p:nvPr>
         </p:nvSpPr>
         <p:spPr>
           <a:xfrm>
             <a:off x="1763688" y="2564904"/>
-            <a:ext cx="4248472" cy="1082551"/>
+            <a:ext cx="2016224" cy="1082551"/>
           </a:xfrm>
         </p:spPr>
         <p:txBody>
@@ -5250,10 +5857,22 @@
           <a:p>
             <a:pPr algn="l"/>
             <a:r>
-              <a:rPr lang="en-GB" dirty="0" smtClean="0"/>
+              <a:rPr lang="en-GB" dirty="0" smtClean="0">
+                <a:solidFill>
+                  <a:schemeClr val="tx2">
+                    <a:lumMod val="50000"/>
+                  </a:schemeClr>
+                </a:solidFill>
+              </a:rPr>
               <a:t>Introduction</a:t>
             </a:r>
-            <a:endParaRPr lang="en-GB" dirty="0"/>
+            <a:endParaRPr lang="en-GB" dirty="0">
+              <a:solidFill>
+                <a:schemeClr val="tx2">
+                  <a:lumMod val="50000"/>
+                </a:schemeClr>
+              </a:solidFill>
+            </a:endParaRPr>
           </a:p>
         </p:txBody>
       </p:sp>
@@ -5362,8 +5981,8 @@
         </p:nvSpPr>
         <p:spPr>
           <a:xfrm>
-            <a:off x="4427984" y="1268760"/>
-            <a:ext cx="4176464" cy="3970318"/>
+            <a:off x="3923928" y="1772816"/>
+            <a:ext cx="4896544" cy="3416320"/>
           </a:xfrm>
           <a:prstGeom prst="rect">
             <a:avLst/>
@@ -5388,8 +6007,25 @@
                   </a:schemeClr>
                 </a:solidFill>
               </a:rPr>
-              <a:t>Measurements in the Near Field of devices</a:t>
-            </a:r>
+              <a:t>Measurements in the Near Field of </a:t>
+            </a:r>
+            <a:r>
+              <a:rPr lang="en-GB" dirty="0" smtClean="0">
+                <a:solidFill>
+                  <a:schemeClr val="tx2">
+                    <a:lumMod val="50000"/>
+                  </a:schemeClr>
+                </a:solidFill>
+              </a:rPr>
+              <a:t>devices.</a:t>
+            </a:r>
+            <a:endParaRPr lang="en-GB" dirty="0" smtClean="0">
+              <a:solidFill>
+                <a:schemeClr val="tx2">
+                  <a:lumMod val="50000"/>
+                </a:schemeClr>
+              </a:solidFill>
+            </a:endParaRPr>
           </a:p>
           <a:p>
             <a:pPr marL="285750" indent="-285750">
@@ -5427,8 +6063,35 @@
                   </a:schemeClr>
                 </a:solidFill>
               </a:rPr>
-              <a:t>Field Separation</a:t>
-            </a:r>
+              <a:t>Field </a:t>
+            </a:r>
+            <a:r>
+              <a:rPr lang="en-GB" u="sng" dirty="0" smtClean="0">
+                <a:solidFill>
+                  <a:schemeClr val="tx2">
+                    <a:lumMod val="50000"/>
+                  </a:schemeClr>
+                </a:solidFill>
+              </a:rPr>
+              <a:t>Separation</a:t>
+            </a:r>
+            <a:r>
+              <a:rPr lang="en-GB" dirty="0" smtClean="0">
+                <a:solidFill>
+                  <a:schemeClr val="tx2">
+                    <a:lumMod val="50000"/>
+                  </a:schemeClr>
+                </a:solidFill>
+              </a:rPr>
+              <a:t> to remove the boundaries effects on the measurement.</a:t>
+            </a:r>
+            <a:endParaRPr lang="en-GB" dirty="0" smtClean="0">
+              <a:solidFill>
+                <a:schemeClr val="tx2">
+                  <a:lumMod val="50000"/>
+                </a:schemeClr>
+              </a:solidFill>
+            </a:endParaRPr>
           </a:p>
           <a:p>
             <a:pPr marL="285750" indent="-285750">
@@ -5456,8 +6119,45 @@
                   </a:schemeClr>
                 </a:solidFill>
               </a:rPr>
-              <a:t>Visualization of results at any point on the 3D surface in the Far Field of the device</a:t>
-            </a:r>
+              <a:t>Visualization of results at any point on the 3D </a:t>
+            </a:r>
+            <a:r>
+              <a:rPr lang="en-GB" dirty="0" smtClean="0">
+                <a:solidFill>
+                  <a:schemeClr val="tx2">
+                    <a:lumMod val="50000"/>
+                  </a:schemeClr>
+                </a:solidFill>
+              </a:rPr>
+              <a:t>space </a:t>
+            </a:r>
+            <a:r>
+              <a:rPr lang="en-GB" dirty="0" smtClean="0">
+                <a:solidFill>
+                  <a:schemeClr val="tx2">
+                    <a:lumMod val="50000"/>
+                  </a:schemeClr>
+                </a:solidFill>
+              </a:rPr>
+              <a:t>in the Far Field of the </a:t>
+            </a:r>
+            <a:r>
+              <a:rPr lang="en-GB" dirty="0" smtClean="0">
+                <a:solidFill>
+                  <a:schemeClr val="tx2">
+                    <a:lumMod val="50000"/>
+                  </a:schemeClr>
+                </a:solidFill>
+              </a:rPr>
+              <a:t>device.</a:t>
+            </a:r>
+            <a:endParaRPr lang="en-GB" dirty="0" smtClean="0">
+              <a:solidFill>
+                <a:schemeClr val="tx2">
+                  <a:lumMod val="50000"/>
+                </a:schemeClr>
+              </a:solidFill>
+            </a:endParaRPr>
           </a:p>
           <a:p>
             <a:pPr marL="285750" indent="-285750">
@@ -5485,8 +6185,25 @@
                   </a:schemeClr>
                 </a:solidFill>
               </a:rPr>
-              <a:t>Microphone moves thanks to a robotic arm</a:t>
-            </a:r>
+              <a:t>Microphone moves thanks to a robotic </a:t>
+            </a:r>
+            <a:r>
+              <a:rPr lang="en-GB" dirty="0" smtClean="0">
+                <a:solidFill>
+                  <a:schemeClr val="tx2">
+                    <a:lumMod val="50000"/>
+                  </a:schemeClr>
+                </a:solidFill>
+              </a:rPr>
+              <a:t>arm.</a:t>
+            </a:r>
+            <a:endParaRPr lang="en-GB" dirty="0" smtClean="0">
+              <a:solidFill>
+                <a:schemeClr val="tx2">
+                  <a:lumMod val="50000"/>
+                </a:schemeClr>
+              </a:solidFill>
+            </a:endParaRPr>
           </a:p>
           <a:p>
             <a:pPr marL="285750" indent="-285750">
@@ -5514,7 +6231,17 @@
                   </a:schemeClr>
                 </a:solidFill>
               </a:rPr>
-              <a:t>Constant interaction between the acoustic boundaries and the system</a:t>
+              <a:t>Constant interaction between the acoustic boundaries and the </a:t>
+            </a:r>
+            <a:r>
+              <a:rPr lang="en-GB" dirty="0" smtClean="0">
+                <a:solidFill>
+                  <a:schemeClr val="tx2">
+                    <a:lumMod val="50000"/>
+                  </a:schemeClr>
+                </a:solidFill>
+              </a:rPr>
+              <a:t>system.</a:t>
             </a:r>
             <a:endParaRPr lang="en-GB" dirty="0">
               <a:solidFill>
@@ -5822,6 +6549,36 @@
           <a:xfrm>
             <a:off x="7244455" y="943873"/>
             <a:ext cx="1337046" cy="1390887"/>
+          </a:xfrm>
+          <a:prstGeom prst="rect">
+            <a:avLst/>
+          </a:prstGeom>
+        </p:spPr>
+      </p:pic>
+      <p:pic>
+        <p:nvPicPr>
+          <p:cNvPr id="4" name="Grafik 3"/>
+          <p:cNvPicPr>
+            <a:picLocks noChangeAspect="1"/>
+          </p:cNvPicPr>
+          <p:nvPr/>
+        </p:nvPicPr>
+        <p:blipFill>
+          <a:blip r:embed="rId5" cstate="print">
+            <a:extLst>
+              <a:ext uri="{28A0092B-C50C-407E-A947-70E740481C1C}">
+                <a14:useLocalDpi xmlns:a14="http://schemas.microsoft.com/office/drawing/2010/main" val="0"/>
+              </a:ext>
+            </a:extLst>
+          </a:blip>
+          <a:stretch>
+            <a:fillRect/>
+          </a:stretch>
+        </p:blipFill>
+        <p:spPr>
+          <a:xfrm>
+            <a:off x="2178568" y="4740984"/>
+            <a:ext cx="2489901" cy="1867237"/>
           </a:xfrm>
           <a:prstGeom prst="rect">
             <a:avLst/>
@@ -7177,7 +7934,7 @@
           <p:nvPr/>
         </p:nvPicPr>
         <p:blipFill>
-          <a:blip r:embed="rId5">
+          <a:blip r:embed="rId5" cstate="print">
             <a:extLst>
               <a:ext uri="{28A0092B-C50C-407E-A947-70E740481C1C}">
                 <a14:useLocalDpi xmlns:a14="http://schemas.microsoft.com/office/drawing/2010/main" val="0"/>
@@ -7190,8 +7947,8 @@
         </p:blipFill>
         <p:spPr>
           <a:xfrm>
-            <a:off x="4211960" y="3144463"/>
-            <a:ext cx="1857634" cy="543001"/>
+            <a:off x="4211960" y="3201009"/>
+            <a:ext cx="1857634" cy="429909"/>
           </a:xfrm>
           <a:prstGeom prst="rect">
             <a:avLst/>
@@ -7797,7 +8554,7 @@
             <a:spLocks noGrp="1"/>
           </p:cNvSpPr>
           <p:nvPr>
-            <p:ph type="ctrTitle"/>
+            <p:ph type="ctrTitle" idx="4294967295"/>
           </p:nvPr>
         </p:nvSpPr>
         <p:spPr>
@@ -7812,10 +8569,22 @@
           <a:p>
             <a:pPr algn="l"/>
             <a:r>
-              <a:rPr lang="en-GB" dirty="0" smtClean="0"/>
+              <a:rPr lang="en-GB" dirty="0" smtClean="0">
+                <a:solidFill>
+                  <a:schemeClr val="accent1">
+                    <a:lumMod val="50000"/>
+                  </a:schemeClr>
+                </a:solidFill>
+              </a:rPr>
               <a:t>Baffle measurements</a:t>
             </a:r>
-            <a:endParaRPr lang="en-GB" dirty="0"/>
+            <a:endParaRPr lang="en-GB" dirty="0">
+              <a:solidFill>
+                <a:schemeClr val="accent1">
+                  <a:lumMod val="50000"/>
+                </a:schemeClr>
+              </a:solidFill>
+            </a:endParaRPr>
           </a:p>
         </p:txBody>
       </p:sp>
@@ -8009,7 +8778,7 @@
         <p:spPr>
           <a:xfrm>
             <a:off x="5796136" y="1412776"/>
-            <a:ext cx="2808312" cy="3970318"/>
+            <a:ext cx="2808312" cy="4247317"/>
           </a:xfrm>
           <a:prstGeom prst="rect">
             <a:avLst/>
@@ -8048,10 +8817,28 @@
                   </a:schemeClr>
                 </a:solidFill>
               </a:rPr>
-              <a:t>Critical evaluation of the prototype</a:t>
-            </a:r>
-          </a:p>
-          <a:p>
+              <a:t>Aim: critical </a:t>
+            </a:r>
+            <a:r>
+              <a:rPr lang="en-GB" dirty="0" smtClean="0">
+                <a:solidFill>
+                  <a:schemeClr val="tx2">
+                    <a:lumMod val="50000"/>
+                  </a:schemeClr>
+                </a:solidFill>
+              </a:rPr>
+              <a:t>evaluation of the </a:t>
+            </a:r>
+            <a:r>
+              <a:rPr lang="en-GB" dirty="0" smtClean="0">
+                <a:solidFill>
+                  <a:schemeClr val="tx2">
+                    <a:lumMod val="50000"/>
+                  </a:schemeClr>
+                </a:solidFill>
+              </a:rPr>
+              <a:t>prototype.</a:t>
+            </a:r>
             <a:endParaRPr lang="en-GB" dirty="0" smtClean="0">
               <a:solidFill>
                 <a:schemeClr val="tx2">
@@ -8061,6 +8848,15 @@
             </a:endParaRPr>
           </a:p>
           <a:p>
+            <a:endParaRPr lang="en-GB" dirty="0" smtClean="0">
+              <a:solidFill>
+                <a:schemeClr val="tx2">
+                  <a:lumMod val="50000"/>
+                </a:schemeClr>
+              </a:solidFill>
+            </a:endParaRPr>
+          </a:p>
+          <a:p>
             <a:endParaRPr lang="en-GB" dirty="0">
               <a:solidFill>
                 <a:schemeClr val="tx2">
@@ -8078,8 +8874,25 @@
                   </a:schemeClr>
                 </a:solidFill>
               </a:rPr>
-              <a:t>Influence of the baffle isn’t important, since it will be removed by field separation</a:t>
-            </a:r>
+              <a:t>Influence of the baffle isn’t important, since it will be removed by field </a:t>
+            </a:r>
+            <a:r>
+              <a:rPr lang="en-GB" dirty="0" smtClean="0">
+                <a:solidFill>
+                  <a:schemeClr val="tx2">
+                    <a:lumMod val="50000"/>
+                  </a:schemeClr>
+                </a:solidFill>
+              </a:rPr>
+              <a:t>separation.</a:t>
+            </a:r>
+            <a:endParaRPr lang="en-GB" dirty="0" smtClean="0">
+              <a:solidFill>
+                <a:schemeClr val="tx2">
+                  <a:lumMod val="50000"/>
+                </a:schemeClr>
+              </a:solidFill>
+            </a:endParaRPr>
           </a:p>
           <a:p>
             <a:endParaRPr lang="en-GB" dirty="0" smtClean="0">

--- a/presentation/Soutenance.pptx
+++ b/presentation/Soutenance.pptx
@@ -219,7 +219,7 @@
           <a:p>
             <a:fld id="{7A56724F-4DC6-4752-89CA-94A66C3EBEFF}" type="datetimeFigureOut">
               <a:rPr lang="en-GB" smtClean="0"/>
-              <a:t>20/06/2018</a:t>
+              <a:t>25/06/2018</a:t>
             </a:fld>
             <a:endParaRPr lang="en-GB" dirty="0"/>
           </a:p>
@@ -605,7 +605,7 @@
             <a:fld id="{4037810F-9E72-4A49-B2D7-DE35064A2713}" type="datetimeFigureOut">
               <a:rPr lang="en-GB" smtClean="0"/>
               <a:pPr/>
-              <a:t>20/06/2018</a:t>
+              <a:t>25/06/2018</a:t>
             </a:fld>
             <a:endParaRPr lang="en-GB" dirty="0"/>
           </a:p>
@@ -830,7 +830,7 @@
           <a:p>
             <a:fld id="{EE2E961C-17CE-4E1C-8FEE-FBC93CDB68C8}" type="datetimeFigureOut">
               <a:rPr lang="en-GB" smtClean="0"/>
-              <a:t>20/06/2018</a:t>
+              <a:t>25/06/2018</a:t>
             </a:fld>
             <a:endParaRPr lang="en-GB" dirty="0"/>
           </a:p>
@@ -1168,7 +1168,7 @@
           <a:p>
             <a:fld id="{EE2E961C-17CE-4E1C-8FEE-FBC93CDB68C8}" type="datetimeFigureOut">
               <a:rPr lang="en-GB" smtClean="0"/>
-              <a:t>20/06/2018</a:t>
+              <a:t>25/06/2018</a:t>
             </a:fld>
             <a:endParaRPr lang="en-GB" dirty="0"/>
           </a:p>
@@ -1294,7 +1294,7 @@
           <a:p>
             <a:fld id="{EE2E961C-17CE-4E1C-8FEE-FBC93CDB68C8}" type="datetimeFigureOut">
               <a:rPr lang="en-GB" smtClean="0"/>
-              <a:t>20/06/2018</a:t>
+              <a:t>25/06/2018</a:t>
             </a:fld>
             <a:endParaRPr lang="en-GB" dirty="0"/>
           </a:p>
@@ -1611,7 +1611,7 @@
           <a:p>
             <a:fld id="{EE2E961C-17CE-4E1C-8FEE-FBC93CDB68C8}" type="datetimeFigureOut">
               <a:rPr lang="en-GB" smtClean="0"/>
-              <a:t>20/06/2018</a:t>
+              <a:t>25/06/2018</a:t>
             </a:fld>
             <a:endParaRPr lang="en-GB" dirty="0"/>
           </a:p>
@@ -1904,7 +1904,7 @@
           <a:p>
             <a:fld id="{EE2E961C-17CE-4E1C-8FEE-FBC93CDB68C8}" type="datetimeFigureOut">
               <a:rPr lang="en-GB" smtClean="0"/>
-              <a:t>20/06/2018</a:t>
+              <a:t>25/06/2018</a:t>
             </a:fld>
             <a:endParaRPr lang="en-GB" dirty="0"/>
           </a:p>
@@ -2121,7 +2121,7 @@
           <a:p>
             <a:fld id="{EE2E961C-17CE-4E1C-8FEE-FBC93CDB68C8}" type="datetimeFigureOut">
               <a:rPr lang="en-GB" smtClean="0"/>
-              <a:t>20/06/2018</a:t>
+              <a:t>25/06/2018</a:t>
             </a:fld>
             <a:endParaRPr lang="en-GB" dirty="0"/>
           </a:p>
@@ -2338,7 +2338,7 @@
           <a:p>
             <a:fld id="{EE2E961C-17CE-4E1C-8FEE-FBC93CDB68C8}" type="datetimeFigureOut">
               <a:rPr lang="en-GB" smtClean="0"/>
-              <a:t>20/06/2018</a:t>
+              <a:t>25/06/2018</a:t>
             </a:fld>
             <a:endParaRPr lang="en-GB" dirty="0"/>
           </a:p>
@@ -2510,7 +2510,7 @@
             <a:fld id="{4037810F-9E72-4A49-B2D7-DE35064A2713}" type="datetimeFigureOut">
               <a:rPr lang="en-GB" smtClean="0"/>
               <a:pPr/>
-              <a:t>20/06/2018</a:t>
+              <a:t>25/06/2018</a:t>
             </a:fld>
             <a:endParaRPr lang="en-GB" dirty="0"/>
           </a:p>
@@ -2619,6 +2619,39 @@
           <a:prstGeom prst="rect">
             <a:avLst/>
           </a:prstGeom>
+        </p:spPr>
+      </p:pic>
+      <p:pic>
+        <p:nvPicPr>
+          <p:cNvPr id="2" name="Grafik 1"/>
+          <p:cNvPicPr>
+            <a:picLocks noChangeAspect="1"/>
+          </p:cNvPicPr>
+          <p:nvPr userDrawn="1"/>
+        </p:nvPicPr>
+        <p:blipFill>
+          <a:blip r:embed="rId13" cstate="print">
+            <a:extLst>
+              <a:ext uri="{28A0092B-C50C-407E-A947-70E740481C1C}">
+                <a14:useLocalDpi xmlns:a14="http://schemas.microsoft.com/office/drawing/2010/main" val="0"/>
+              </a:ext>
+            </a:extLst>
+          </a:blip>
+          <a:stretch>
+            <a:fillRect/>
+          </a:stretch>
+        </p:blipFill>
+        <p:spPr>
+          <a:xfrm>
+            <a:off x="7511899" y="44624"/>
+            <a:ext cx="886758" cy="523459"/>
+          </a:xfrm>
+          <a:prstGeom prst="rect">
+            <a:avLst/>
+          </a:prstGeom>
+          <a:solidFill>
+            <a:schemeClr val="bg1"/>
+          </a:solidFill>
         </p:spPr>
       </p:pic>
     </p:spTree>
@@ -2939,8 +2972,8 @@
         </p:blipFill>
         <p:spPr>
           <a:xfrm>
-            <a:off x="0" y="0"/>
-            <a:ext cx="9137139" cy="6858000"/>
+            <a:off x="-36512" y="-27406"/>
+            <a:ext cx="9173652" cy="6885405"/>
           </a:xfrm>
           <a:prstGeom prst="rect">
             <a:avLst/>
@@ -2955,7 +2988,7 @@
         </p:nvSpPr>
         <p:spPr>
           <a:xfrm>
-            <a:off x="724606" y="1772816"/>
+            <a:off x="724606" y="2132856"/>
             <a:ext cx="6120680" cy="1077218"/>
           </a:xfrm>
           <a:prstGeom prst="rect">
@@ -3001,7 +3034,7 @@
         </p:nvSpPr>
         <p:spPr>
           <a:xfrm>
-            <a:off x="724606" y="3645024"/>
+            <a:off x="724606" y="3789040"/>
             <a:ext cx="7735826" cy="1200329"/>
           </a:xfrm>
           <a:prstGeom prst="rect">
@@ -3388,6 +3421,37 @@
               </a:rPr>
               <a:t>Scan evidences how the plate vibrates in anti-phase with the speaker.</a:t>
             </a:r>
+          </a:p>
+        </p:txBody>
+      </p:sp>
+      <p:sp>
+        <p:nvSpPr>
+          <p:cNvPr id="9" name="Textfeld 8"/>
+          <p:cNvSpPr txBox="1"/>
+          <p:nvPr/>
+        </p:nvSpPr>
+        <p:spPr>
+          <a:xfrm>
+            <a:off x="1502842" y="6280819"/>
+            <a:ext cx="3869556" cy="230832"/>
+          </a:xfrm>
+          <a:prstGeom prst="rect">
+            <a:avLst/>
+          </a:prstGeom>
+          <a:noFill/>
+        </p:spPr>
+        <p:txBody>
+          <a:bodyPr wrap="square" rtlCol="0">
+            <a:spAutoFit/>
+          </a:bodyPr>
+          <a:lstStyle/>
+          <a:p>
+            <a:pPr algn="ctr"/>
+            <a:r>
+              <a:rPr lang="en-GB" sz="900" i="1" dirty="0" smtClean="0"/>
+              <a:t>Comparison of radiated sound power for different measurement conditions</a:t>
+            </a:r>
+            <a:endParaRPr lang="en-GB" sz="900" i="1" dirty="0"/>
           </a:p>
         </p:txBody>
       </p:sp>
@@ -3451,6 +3515,32 @@
                             </p:childTnLst>
                           </p:cTn>
                         </p:par>
+                        <p:par>
+                          <p:cTn id="7" fill="hold">
+                            <p:stCondLst>
+                              <p:cond delay="0"/>
+                            </p:stCondLst>
+                            <p:childTnLst>
+                              <p:par>
+                                <p:cTn id="8" presetID="1" presetClass="mediacall" presetSubtype="0" fill="hold" nodeType="afterEffect">
+                                  <p:stCondLst>
+                                    <p:cond delay="0"/>
+                                  </p:stCondLst>
+                                  <p:childTnLst>
+                                    <p:cmd type="call" cmd="playFrom(0.0)">
+                                      <p:cBhvr>
+                                        <p:cTn id="9" dur="2640" fill="hold"/>
+                                        <p:tgtEl>
+                                          <p:spTgt spid="11"/>
+                                        </p:tgtEl>
+                                      </p:cBhvr>
+                                    </p:cmd>
+                                  </p:childTnLst>
+                                </p:cTn>
+                              </p:par>
+                            </p:childTnLst>
+                          </p:cTn>
+                        </p:par>
                       </p:childTnLst>
                     </p:cTn>
                   </p:par>
@@ -3471,8 +3561,20 @@
                 </p:cond>
               </p:nextCondLst>
             </p:seq>
+            <p:video>
+              <p:cMediaNode vol="80000">
+                <p:cTn id="10" repeatCount="indefinite" fill="hold" display="0">
+                  <p:stCondLst>
+                    <p:cond delay="indefinite"/>
+                  </p:stCondLst>
+                </p:cTn>
+                <p:tgtEl>
+                  <p:spTgt spid="11"/>
+                </p:tgtEl>
+              </p:cMediaNode>
+            </p:video>
             <p:seq concurrent="1" nextAc="seek">
-              <p:cTn id="7" restart="whenNotActive" fill="hold" evtFilter="cancelBubble" nodeType="interactiveSeq">
+              <p:cTn id="11" restart="whenNotActive" fill="hold" evtFilter="cancelBubble" nodeType="interactiveSeq">
                 <p:stCondLst>
                   <p:cond evt="onClick" delay="0">
                     <p:tgtEl>
@@ -3485,26 +3587,26 @@
                 </p:endSync>
                 <p:childTnLst>
                   <p:par>
-                    <p:cTn id="8" fill="hold">
+                    <p:cTn id="12" fill="hold">
                       <p:stCondLst>
                         <p:cond delay="0"/>
                       </p:stCondLst>
                       <p:childTnLst>
                         <p:par>
-                          <p:cTn id="9" fill="hold">
+                          <p:cTn id="13" fill="hold">
                             <p:stCondLst>
                               <p:cond delay="0"/>
                             </p:stCondLst>
                             <p:childTnLst>
                               <p:par>
-                                <p:cTn id="10" presetID="2" presetClass="mediacall" presetSubtype="0" fill="hold" nodeType="clickEffect">
+                                <p:cTn id="14" presetID="2" presetClass="mediacall" presetSubtype="0" fill="hold" nodeType="clickEffect">
                                   <p:stCondLst>
                                     <p:cond delay="0"/>
                                   </p:stCondLst>
                                   <p:childTnLst>
                                     <p:cmd type="call" cmd="togglePause">
                                       <p:cBhvr>
-                                        <p:cTn id="11" dur="1" fill="hold"/>
+                                        <p:cTn id="15" dur="1" fill="hold"/>
                                         <p:tgtEl>
                                           <p:spTgt spid="11"/>
                                         </p:tgtEl>
@@ -3529,18 +3631,6 @@
                 </p:cond>
               </p:nextCondLst>
             </p:seq>
-            <p:video>
-              <p:cMediaNode vol="80000">
-                <p:cTn id="12" repeatCount="indefinite" fill="hold" display="0">
-                  <p:stCondLst>
-                    <p:cond delay="indefinite"/>
-                  </p:stCondLst>
-                </p:cTn>
-                <p:tgtEl>
-                  <p:spTgt spid="11"/>
-                </p:tgtEl>
-              </p:cMediaNode>
-            </p:video>
           </p:childTnLst>
         </p:cTn>
       </p:par>
@@ -3808,7 +3898,27 @@
                   </a:schemeClr>
                 </a:solidFill>
               </a:rPr>
-              <a:t>If the field separation cannot be applied, using an elliptical measurement grid allows to ease off the baffle effect.</a:t>
+              <a:t>If the field separation cannot be applied, using </a:t>
+            </a:r>
+            <a:r>
+              <a:rPr lang="en-GB" dirty="0" smtClean="0">
+                <a:solidFill>
+                  <a:schemeClr val="tx2">
+                    <a:lumMod val="50000"/>
+                  </a:schemeClr>
+                </a:solidFill>
+              </a:rPr>
+              <a:t>an elliptical </a:t>
+            </a:r>
+            <a:r>
+              <a:rPr lang="en-GB" dirty="0" smtClean="0">
+                <a:solidFill>
+                  <a:schemeClr val="tx2">
+                    <a:lumMod val="50000"/>
+                  </a:schemeClr>
+                </a:solidFill>
+              </a:rPr>
+              <a:t>measurement grid allows to ease off the baffle effect.</a:t>
             </a:r>
             <a:endParaRPr lang="en-GB" dirty="0">
               <a:solidFill>
@@ -3995,6 +4105,37 @@
           </a:p>
         </p:txBody>
       </p:sp>
+      <p:sp>
+        <p:nvSpPr>
+          <p:cNvPr id="5" name="Textfeld 4"/>
+          <p:cNvSpPr txBox="1"/>
+          <p:nvPr/>
+        </p:nvSpPr>
+        <p:spPr>
+          <a:xfrm>
+            <a:off x="1370919" y="6065566"/>
+            <a:ext cx="3869556" cy="230832"/>
+          </a:xfrm>
+          <a:prstGeom prst="rect">
+            <a:avLst/>
+          </a:prstGeom>
+          <a:noFill/>
+        </p:spPr>
+        <p:txBody>
+          <a:bodyPr wrap="square" rtlCol="0">
+            <a:spAutoFit/>
+          </a:bodyPr>
+          <a:lstStyle/>
+          <a:p>
+            <a:pPr algn="ctr"/>
+            <a:r>
+              <a:rPr lang="en-GB" sz="900" i="1" dirty="0" smtClean="0"/>
+              <a:t>Comparison of spherical and elliptical grids</a:t>
+            </a:r>
+            <a:endParaRPr lang="en-GB" sz="900" i="1" dirty="0"/>
+          </a:p>
+        </p:txBody>
+      </p:sp>
     </p:spTree>
     <p:extLst>
       <p:ext uri="{BB962C8B-B14F-4D97-AF65-F5344CB8AC3E}">
@@ -4134,16 +4275,59 @@
           </a:p>
         </p:txBody>
       </p:sp>
+      <p:sp>
+        <p:nvSpPr>
+          <p:cNvPr id="5" name="Textfeld 4"/>
+          <p:cNvSpPr txBox="1"/>
+          <p:nvPr/>
+        </p:nvSpPr>
+        <p:spPr>
+          <a:xfrm>
+            <a:off x="107504" y="836712"/>
+            <a:ext cx="8928992" cy="646331"/>
+          </a:xfrm>
+          <a:prstGeom prst="rect">
+            <a:avLst/>
+          </a:prstGeom>
+          <a:noFill/>
+        </p:spPr>
+        <p:txBody>
+          <a:bodyPr wrap="square" rtlCol="0">
+            <a:spAutoFit/>
+          </a:bodyPr>
+          <a:lstStyle/>
+          <a:p>
+            <a:pPr algn="just"/>
+            <a:r>
+              <a:rPr lang="en-GB" dirty="0" smtClean="0">
+                <a:solidFill>
+                  <a:schemeClr val="tx2">
+                    <a:lumMod val="50000"/>
+                  </a:schemeClr>
+                </a:solidFill>
+              </a:rPr>
+              <a:t>Symmetries on the Device Under Test geometry yield symmetries on its emitted sound field, thus on the coefficients weighting the spherical harmonics in the spherical wave expansion. </a:t>
+            </a:r>
+            <a:endParaRPr lang="en-GB" dirty="0">
+              <a:solidFill>
+                <a:schemeClr val="tx2">
+                  <a:lumMod val="50000"/>
+                </a:schemeClr>
+              </a:solidFill>
+            </a:endParaRPr>
+          </a:p>
+        </p:txBody>
+      </p:sp>
       <p:pic>
         <p:nvPicPr>
-          <p:cNvPr id="3" name="Grafik 2"/>
+          <p:cNvPr id="6" name="Grafik 5"/>
           <p:cNvPicPr>
             <a:picLocks noChangeAspect="1"/>
           </p:cNvPicPr>
           <p:nvPr/>
         </p:nvPicPr>
         <p:blipFill>
-          <a:blip r:embed="rId2">
+          <a:blip r:embed="rId2" cstate="print">
             <a:extLst>
               <a:ext uri="{28A0092B-C50C-407E-A947-70E740481C1C}">
                 <a14:useLocalDpi xmlns:a14="http://schemas.microsoft.com/office/drawing/2010/main" val="0"/>
@@ -4156,8 +4340,8 @@
         </p:blipFill>
         <p:spPr>
           <a:xfrm>
-            <a:off x="661137" y="908719"/>
-            <a:ext cx="7668344" cy="1220899"/>
+            <a:off x="1853952" y="1700808"/>
+            <a:ext cx="5436096" cy="816802"/>
           </a:xfrm>
           <a:prstGeom prst="rect">
             <a:avLst/>
@@ -4166,7 +4350,7 @@
       </p:pic>
       <p:pic>
         <p:nvPicPr>
-          <p:cNvPr id="4" name="Grafik 3"/>
+          <p:cNvPr id="7" name="Grafik 6"/>
           <p:cNvPicPr>
             <a:picLocks noChangeAspect="1"/>
           </p:cNvPicPr>
@@ -4186,14 +4370,45 @@
         </p:blipFill>
         <p:spPr>
           <a:xfrm>
-            <a:off x="236537" y="2889034"/>
-            <a:ext cx="6009252" cy="3287798"/>
+            <a:off x="1475656" y="2924944"/>
+            <a:ext cx="6012160" cy="3289389"/>
           </a:xfrm>
           <a:prstGeom prst="rect">
             <a:avLst/>
           </a:prstGeom>
         </p:spPr>
       </p:pic>
+      <p:sp>
+        <p:nvSpPr>
+          <p:cNvPr id="8" name="Textfeld 7"/>
+          <p:cNvSpPr txBox="1"/>
+          <p:nvPr/>
+        </p:nvSpPr>
+        <p:spPr>
+          <a:xfrm>
+            <a:off x="2637222" y="6272981"/>
+            <a:ext cx="3869556" cy="230832"/>
+          </a:xfrm>
+          <a:prstGeom prst="rect">
+            <a:avLst/>
+          </a:prstGeom>
+          <a:noFill/>
+        </p:spPr>
+        <p:txBody>
+          <a:bodyPr wrap="square" rtlCol="0">
+            <a:spAutoFit/>
+          </a:bodyPr>
+          <a:lstStyle/>
+          <a:p>
+            <a:pPr algn="ctr"/>
+            <a:r>
+              <a:rPr lang="en-GB" sz="900" i="1" dirty="0" smtClean="0"/>
+              <a:t>Representation of the first spherical harmonics</a:t>
+            </a:r>
+            <a:endParaRPr lang="en-GB" sz="900" i="1" dirty="0"/>
+          </a:p>
+        </p:txBody>
+      </p:sp>
     </p:spTree>
     <p:extLst>
       <p:ext uri="{BB962C8B-B14F-4D97-AF65-F5344CB8AC3E}">
@@ -4252,6 +4467,79 @@
               <a:t>Principle</a:t>
             </a:r>
             <a:endParaRPr lang="en-GB" dirty="0"/>
+          </a:p>
+        </p:txBody>
+      </p:sp>
+      <p:pic>
+        <p:nvPicPr>
+          <p:cNvPr id="3" name="Grafik 2"/>
+          <p:cNvPicPr>
+            <a:picLocks noChangeAspect="1"/>
+          </p:cNvPicPr>
+          <p:nvPr/>
+        </p:nvPicPr>
+        <p:blipFill>
+          <a:blip r:embed="rId2">
+            <a:extLst>
+              <a:ext uri="{28A0092B-C50C-407E-A947-70E740481C1C}">
+                <a14:useLocalDpi xmlns:a14="http://schemas.microsoft.com/office/drawing/2010/main" val="0"/>
+              </a:ext>
+            </a:extLst>
+          </a:blip>
+          <a:stretch>
+            <a:fillRect/>
+          </a:stretch>
+        </p:blipFill>
+        <p:spPr>
+          <a:xfrm>
+            <a:off x="0" y="1844824"/>
+            <a:ext cx="9144000" cy="2725254"/>
+          </a:xfrm>
+          <a:prstGeom prst="rect">
+            <a:avLst/>
+          </a:prstGeom>
+        </p:spPr>
+      </p:pic>
+      <p:sp>
+        <p:nvSpPr>
+          <p:cNvPr id="4" name="Textfeld 3"/>
+          <p:cNvSpPr txBox="1"/>
+          <p:nvPr/>
+        </p:nvSpPr>
+        <p:spPr>
+          <a:xfrm>
+            <a:off x="0" y="908720"/>
+            <a:ext cx="9144000" cy="369332"/>
+          </a:xfrm>
+          <a:prstGeom prst="rect">
+            <a:avLst/>
+          </a:prstGeom>
+          <a:noFill/>
+        </p:spPr>
+        <p:txBody>
+          <a:bodyPr wrap="square" rtlCol="0">
+            <a:spAutoFit/>
+          </a:bodyPr>
+          <a:lstStyle/>
+          <a:p>
+            <a:pPr algn="ctr"/>
+            <a:r>
+              <a:rPr lang="en-GB" dirty="0" smtClean="0">
+                <a:solidFill>
+                  <a:schemeClr val="tx2">
+                    <a:lumMod val="50000"/>
+                  </a:schemeClr>
+                </a:solidFill>
+              </a:rPr>
+              <a:t>Symmetries under study</a:t>
+            </a:r>
+            <a:endParaRPr lang="en-GB" dirty="0">
+              <a:solidFill>
+                <a:schemeClr val="tx2">
+                  <a:lumMod val="50000"/>
+                </a:schemeClr>
+              </a:solidFill>
+            </a:endParaRPr>
           </a:p>
         </p:txBody>
       </p:sp>
@@ -4948,6 +5236,69 @@
           </a:prstGeom>
         </p:spPr>
       </p:pic>
+      <p:sp>
+        <p:nvSpPr>
+          <p:cNvPr id="5" name="Textfeld 4"/>
+          <p:cNvSpPr txBox="1"/>
+          <p:nvPr/>
+        </p:nvSpPr>
+        <p:spPr>
+          <a:xfrm>
+            <a:off x="5908454" y="764704"/>
+            <a:ext cx="2768002" cy="1477328"/>
+          </a:xfrm>
+          <a:prstGeom prst="rect">
+            <a:avLst/>
+          </a:prstGeom>
+          <a:noFill/>
+        </p:spPr>
+        <p:txBody>
+          <a:bodyPr wrap="square" rtlCol="0">
+            <a:spAutoFit/>
+          </a:bodyPr>
+          <a:lstStyle/>
+          <a:p>
+            <a:r>
+              <a:rPr lang="en-GB" dirty="0" smtClean="0">
+                <a:solidFill>
+                  <a:schemeClr val="tx2">
+                    <a:lumMod val="50000"/>
+                  </a:schemeClr>
+                </a:solidFill>
+              </a:rPr>
+              <a:t>Dip in symmetry factors at the crossover range.</a:t>
+            </a:r>
+          </a:p>
+          <a:p>
+            <a:endParaRPr lang="en-GB" dirty="0">
+              <a:solidFill>
+                <a:schemeClr val="tx2">
+                  <a:lumMod val="50000"/>
+                </a:schemeClr>
+              </a:solidFill>
+            </a:endParaRPr>
+          </a:p>
+          <a:p>
+            <a:r>
+              <a:rPr lang="en-GB" dirty="0" smtClean="0">
+                <a:solidFill>
+                  <a:schemeClr val="tx2">
+                    <a:lumMod val="50000"/>
+                  </a:schemeClr>
+                </a:solidFill>
+              </a:rPr>
+              <a:t>Single plane symmetries are dominant.</a:t>
+            </a:r>
+            <a:endParaRPr lang="en-GB" dirty="0">
+              <a:solidFill>
+                <a:schemeClr val="tx2">
+                  <a:lumMod val="50000"/>
+                </a:schemeClr>
+              </a:solidFill>
+            </a:endParaRPr>
+          </a:p>
+        </p:txBody>
+      </p:sp>
     </p:spTree>
     <p:extLst>
       <p:ext uri="{BB962C8B-B14F-4D97-AF65-F5344CB8AC3E}">
@@ -6007,25 +6358,8 @@
                   </a:schemeClr>
                 </a:solidFill>
               </a:rPr>
-              <a:t>Measurements in the Near Field of </a:t>
-            </a:r>
-            <a:r>
-              <a:rPr lang="en-GB" dirty="0" smtClean="0">
-                <a:solidFill>
-                  <a:schemeClr val="tx2">
-                    <a:lumMod val="50000"/>
-                  </a:schemeClr>
-                </a:solidFill>
-              </a:rPr>
-              <a:t>devices.</a:t>
-            </a:r>
-            <a:endParaRPr lang="en-GB" dirty="0" smtClean="0">
-              <a:solidFill>
-                <a:schemeClr val="tx2">
-                  <a:lumMod val="50000"/>
-                </a:schemeClr>
-              </a:solidFill>
-            </a:endParaRPr>
+              <a:t>Measurements in the Near Field of devices.</a:t>
+            </a:r>
           </a:p>
           <a:p>
             <a:pPr marL="285750" indent="-285750">
@@ -6063,17 +6397,7 @@
                   </a:schemeClr>
                 </a:solidFill>
               </a:rPr>
-              <a:t>Field </a:t>
-            </a:r>
-            <a:r>
-              <a:rPr lang="en-GB" u="sng" dirty="0" smtClean="0">
-                <a:solidFill>
-                  <a:schemeClr val="tx2">
-                    <a:lumMod val="50000"/>
-                  </a:schemeClr>
-                </a:solidFill>
-              </a:rPr>
-              <a:t>Separation</a:t>
+              <a:t>Field Separation</a:t>
             </a:r>
             <a:r>
               <a:rPr lang="en-GB" dirty="0" smtClean="0">
@@ -6085,13 +6409,6 @@
               </a:rPr>
               <a:t> to remove the boundaries effects on the measurement.</a:t>
             </a:r>
-            <a:endParaRPr lang="en-GB" dirty="0" smtClean="0">
-              <a:solidFill>
-                <a:schemeClr val="tx2">
-                  <a:lumMod val="50000"/>
-                </a:schemeClr>
-              </a:solidFill>
-            </a:endParaRPr>
           </a:p>
           <a:p>
             <a:pPr marL="285750" indent="-285750">
@@ -6119,45 +6436,8 @@
                   </a:schemeClr>
                 </a:solidFill>
               </a:rPr>
-              <a:t>Visualization of results at any point on the 3D </a:t>
-            </a:r>
-            <a:r>
-              <a:rPr lang="en-GB" dirty="0" smtClean="0">
-                <a:solidFill>
-                  <a:schemeClr val="tx2">
-                    <a:lumMod val="50000"/>
-                  </a:schemeClr>
-                </a:solidFill>
-              </a:rPr>
-              <a:t>space </a:t>
-            </a:r>
-            <a:r>
-              <a:rPr lang="en-GB" dirty="0" smtClean="0">
-                <a:solidFill>
-                  <a:schemeClr val="tx2">
-                    <a:lumMod val="50000"/>
-                  </a:schemeClr>
-                </a:solidFill>
-              </a:rPr>
-              <a:t>in the Far Field of the </a:t>
-            </a:r>
-            <a:r>
-              <a:rPr lang="en-GB" dirty="0" smtClean="0">
-                <a:solidFill>
-                  <a:schemeClr val="tx2">
-                    <a:lumMod val="50000"/>
-                  </a:schemeClr>
-                </a:solidFill>
-              </a:rPr>
-              <a:t>device.</a:t>
-            </a:r>
-            <a:endParaRPr lang="en-GB" dirty="0" smtClean="0">
-              <a:solidFill>
-                <a:schemeClr val="tx2">
-                  <a:lumMod val="50000"/>
-                </a:schemeClr>
-              </a:solidFill>
-            </a:endParaRPr>
+              <a:t>Visualization of results at any point on the 3D space in the Far Field of the device.</a:t>
+            </a:r>
           </a:p>
           <a:p>
             <a:pPr marL="285750" indent="-285750">
@@ -6185,25 +6465,8 @@
                   </a:schemeClr>
                 </a:solidFill>
               </a:rPr>
-              <a:t>Microphone moves thanks to a robotic </a:t>
-            </a:r>
-            <a:r>
-              <a:rPr lang="en-GB" dirty="0" smtClean="0">
-                <a:solidFill>
-                  <a:schemeClr val="tx2">
-                    <a:lumMod val="50000"/>
-                  </a:schemeClr>
-                </a:solidFill>
-              </a:rPr>
-              <a:t>arm.</a:t>
-            </a:r>
-            <a:endParaRPr lang="en-GB" dirty="0" smtClean="0">
-              <a:solidFill>
-                <a:schemeClr val="tx2">
-                  <a:lumMod val="50000"/>
-                </a:schemeClr>
-              </a:solidFill>
-            </a:endParaRPr>
+              <a:t>Microphone moves thanks to a robotic arm.</a:t>
+            </a:r>
           </a:p>
           <a:p>
             <a:pPr marL="285750" indent="-285750">
@@ -6231,17 +6494,7 @@
                   </a:schemeClr>
                 </a:solidFill>
               </a:rPr>
-              <a:t>Constant interaction between the acoustic boundaries and the </a:t>
-            </a:r>
-            <a:r>
-              <a:rPr lang="en-GB" dirty="0" smtClean="0">
-                <a:solidFill>
-                  <a:schemeClr val="tx2">
-                    <a:lumMod val="50000"/>
-                  </a:schemeClr>
-                </a:solidFill>
-              </a:rPr>
-              <a:t>system.</a:t>
+              <a:t>Constant interaction between the acoustic boundaries and the system.</a:t>
             </a:r>
             <a:endParaRPr lang="en-GB" dirty="0">
               <a:solidFill>
@@ -6250,6 +6503,37 @@
                 </a:schemeClr>
               </a:solidFill>
             </a:endParaRPr>
+          </a:p>
+        </p:txBody>
+      </p:sp>
+      <p:sp>
+        <p:nvSpPr>
+          <p:cNvPr id="4" name="Textfeld 3"/>
+          <p:cNvSpPr txBox="1"/>
+          <p:nvPr/>
+        </p:nvSpPr>
+        <p:spPr>
+          <a:xfrm>
+            <a:off x="202382" y="6280819"/>
+            <a:ext cx="3869556" cy="230832"/>
+          </a:xfrm>
+          <a:prstGeom prst="rect">
+            <a:avLst/>
+          </a:prstGeom>
+          <a:noFill/>
+        </p:spPr>
+        <p:txBody>
+          <a:bodyPr wrap="square" rtlCol="0">
+            <a:spAutoFit/>
+          </a:bodyPr>
+          <a:lstStyle/>
+          <a:p>
+            <a:pPr algn="ctr"/>
+            <a:r>
+              <a:rPr lang="en-GB" sz="900" i="1" dirty="0" smtClean="0"/>
+              <a:t>Klippel Near Field Scanner</a:t>
+            </a:r>
+            <a:endParaRPr lang="en-GB" sz="900" i="1" dirty="0"/>
           </a:p>
         </p:txBody>
       </p:sp>
@@ -6857,7 +7141,17 @@
                   </a:schemeClr>
                 </a:solidFill>
               </a:rPr>
-              <a:t>General expression of sound field in spherical coordinates:</a:t>
+              <a:t>General expression of sound field in spherical </a:t>
+            </a:r>
+            <a:r>
+              <a:rPr lang="en-GB" dirty="0" smtClean="0">
+                <a:solidFill>
+                  <a:schemeClr val="accent1">
+                    <a:lumMod val="50000"/>
+                  </a:schemeClr>
+                </a:solidFill>
+              </a:rPr>
+              <a:t>coordinates (wave expansion):</a:t>
             </a:r>
             <a:endParaRPr lang="en-GB" dirty="0">
               <a:solidFill>
@@ -8156,6 +8450,37 @@
           </a:p>
         </p:txBody>
       </p:sp>
+      <p:sp>
+        <p:nvSpPr>
+          <p:cNvPr id="16" name="Textfeld 15"/>
+          <p:cNvSpPr txBox="1"/>
+          <p:nvPr/>
+        </p:nvSpPr>
+        <p:spPr>
+          <a:xfrm>
+            <a:off x="188313" y="6272981"/>
+            <a:ext cx="1944216" cy="230832"/>
+          </a:xfrm>
+          <a:prstGeom prst="rect">
+            <a:avLst/>
+          </a:prstGeom>
+          <a:noFill/>
+        </p:spPr>
+        <p:txBody>
+          <a:bodyPr wrap="square" rtlCol="0">
+            <a:spAutoFit/>
+          </a:bodyPr>
+          <a:lstStyle/>
+          <a:p>
+            <a:pPr algn="ctr"/>
+            <a:r>
+              <a:rPr lang="en-GB" sz="900" i="1" dirty="0" smtClean="0"/>
+              <a:t>Field Separation principle</a:t>
+            </a:r>
+            <a:endParaRPr lang="en-GB" sz="900" i="1" dirty="0"/>
+          </a:p>
+        </p:txBody>
+      </p:sp>
     </p:spTree>
     <p:extLst>
       <p:ext uri="{BB962C8B-B14F-4D97-AF65-F5344CB8AC3E}">
@@ -8817,8 +9142,28 @@
                   </a:schemeClr>
                 </a:solidFill>
               </a:rPr>
-              <a:t>Aim: critical </a:t>
-            </a:r>
+              <a:t>Aim: critical evaluation of the prototype.</a:t>
+            </a:r>
+          </a:p>
+          <a:p>
+            <a:endParaRPr lang="en-GB" dirty="0" smtClean="0">
+              <a:solidFill>
+                <a:schemeClr val="tx2">
+                  <a:lumMod val="50000"/>
+                </a:schemeClr>
+              </a:solidFill>
+            </a:endParaRPr>
+          </a:p>
+          <a:p>
+            <a:endParaRPr lang="en-GB" dirty="0">
+              <a:solidFill>
+                <a:schemeClr val="tx2">
+                  <a:lumMod val="50000"/>
+                </a:schemeClr>
+              </a:solidFill>
+            </a:endParaRPr>
+          </a:p>
+          <a:p>
             <a:r>
               <a:rPr lang="en-GB" dirty="0" smtClean="0">
                 <a:solidFill>
@@ -8827,72 +9172,8 @@
                   </a:schemeClr>
                 </a:solidFill>
               </a:rPr>
-              <a:t>evaluation of the </a:t>
-            </a:r>
-            <a:r>
-              <a:rPr lang="en-GB" dirty="0" smtClean="0">
-                <a:solidFill>
-                  <a:schemeClr val="tx2">
-                    <a:lumMod val="50000"/>
-                  </a:schemeClr>
-                </a:solidFill>
-              </a:rPr>
-              <a:t>prototype.</a:t>
-            </a:r>
-            <a:endParaRPr lang="en-GB" dirty="0" smtClean="0">
-              <a:solidFill>
-                <a:schemeClr val="tx2">
-                  <a:lumMod val="50000"/>
-                </a:schemeClr>
-              </a:solidFill>
-            </a:endParaRPr>
-          </a:p>
-          <a:p>
-            <a:endParaRPr lang="en-GB" dirty="0" smtClean="0">
-              <a:solidFill>
-                <a:schemeClr val="tx2">
-                  <a:lumMod val="50000"/>
-                </a:schemeClr>
-              </a:solidFill>
-            </a:endParaRPr>
-          </a:p>
-          <a:p>
-            <a:endParaRPr lang="en-GB" dirty="0">
-              <a:solidFill>
-                <a:schemeClr val="tx2">
-                  <a:lumMod val="50000"/>
-                </a:schemeClr>
-              </a:solidFill>
-            </a:endParaRPr>
-          </a:p>
-          <a:p>
-            <a:r>
-              <a:rPr lang="en-GB" dirty="0" smtClean="0">
-                <a:solidFill>
-                  <a:schemeClr val="tx2">
-                    <a:lumMod val="50000"/>
-                  </a:schemeClr>
-                </a:solidFill>
-              </a:rPr>
-              <a:t>Influence of the baffle isn’t important, since it will be removed by field </a:t>
-            </a:r>
-            <a:r>
-              <a:rPr lang="en-GB" dirty="0" smtClean="0">
-                <a:solidFill>
-                  <a:schemeClr val="tx2">
-                    <a:lumMod val="50000"/>
-                  </a:schemeClr>
-                </a:solidFill>
-              </a:rPr>
-              <a:t>separation.</a:t>
-            </a:r>
-            <a:endParaRPr lang="en-GB" dirty="0" smtClean="0">
-              <a:solidFill>
-                <a:schemeClr val="tx2">
-                  <a:lumMod val="50000"/>
-                </a:schemeClr>
-              </a:solidFill>
-            </a:endParaRPr>
+              <a:t>Influence of the baffle isn’t important, since it will be removed by field separation.</a:t>
+            </a:r>
           </a:p>
           <a:p>
             <a:endParaRPr lang="en-GB" dirty="0" smtClean="0">
@@ -8930,6 +9211,37 @@
                 </a:schemeClr>
               </a:solidFill>
             </a:endParaRPr>
+          </a:p>
+        </p:txBody>
+      </p:sp>
+      <p:sp>
+        <p:nvSpPr>
+          <p:cNvPr id="9" name="Textfeld 8"/>
+          <p:cNvSpPr txBox="1"/>
+          <p:nvPr/>
+        </p:nvSpPr>
+        <p:spPr>
+          <a:xfrm>
+            <a:off x="837022" y="6047766"/>
+            <a:ext cx="3869556" cy="230832"/>
+          </a:xfrm>
+          <a:prstGeom prst="rect">
+            <a:avLst/>
+          </a:prstGeom>
+          <a:noFill/>
+        </p:spPr>
+        <p:txBody>
+          <a:bodyPr wrap="square" rtlCol="0">
+            <a:spAutoFit/>
+          </a:bodyPr>
+          <a:lstStyle/>
+          <a:p>
+            <a:pPr algn="ctr"/>
+            <a:r>
+              <a:rPr lang="en-GB" sz="900" i="1" dirty="0" smtClean="0"/>
+              <a:t>Baffle prototype</a:t>
+            </a:r>
+            <a:endParaRPr lang="en-GB" sz="900" i="1" dirty="0"/>
           </a:p>
         </p:txBody>
       </p:sp>
